--- a/diagrams/adatbazis.pptx
+++ b/diagrams/adatbazis.pptx
@@ -104,6 +104,11 @@
       </a:defRPr>
     </a:lvl9pPr>
   </p:defaultTextStyle>
+  <p:extLst>
+    <p:ext uri="{EFAFB233-063F-42B5-8137-9DF3F51BA10A}">
+      <p15:sldGuideLst xmlns:p15="http://schemas.microsoft.com/office/powerpoint/2012/main"/>
+    </p:ext>
+  </p:extLst>
 </p:presentation>
 </file>
 
@@ -254,7 +259,7 @@
           <a:p>
             <a:fld id="{0D165520-D099-4B55-9FA4-2C28BFF9116C}" type="datetimeFigureOut">
               <a:rPr lang="hu-HU" smtClean="0"/>
-              <a:t>2022. 01. 20.</a:t>
+              <a:t>2022. 01. 31.</a:t>
             </a:fld>
             <a:endParaRPr lang="hu-HU"/>
           </a:p>
@@ -452,7 +457,7 @@
           <a:p>
             <a:fld id="{0D165520-D099-4B55-9FA4-2C28BFF9116C}" type="datetimeFigureOut">
               <a:rPr lang="hu-HU" smtClean="0"/>
-              <a:t>2022. 01. 20.</a:t>
+              <a:t>2022. 01. 31.</a:t>
             </a:fld>
             <a:endParaRPr lang="hu-HU"/>
           </a:p>
@@ -660,7 +665,7 @@
           <a:p>
             <a:fld id="{0D165520-D099-4B55-9FA4-2C28BFF9116C}" type="datetimeFigureOut">
               <a:rPr lang="hu-HU" smtClean="0"/>
-              <a:t>2022. 01. 20.</a:t>
+              <a:t>2022. 01. 31.</a:t>
             </a:fld>
             <a:endParaRPr lang="hu-HU"/>
           </a:p>
@@ -858,7 +863,7 @@
           <a:p>
             <a:fld id="{0D165520-D099-4B55-9FA4-2C28BFF9116C}" type="datetimeFigureOut">
               <a:rPr lang="hu-HU" smtClean="0"/>
-              <a:t>2022. 01. 20.</a:t>
+              <a:t>2022. 01. 31.</a:t>
             </a:fld>
             <a:endParaRPr lang="hu-HU"/>
           </a:p>
@@ -1133,7 +1138,7 @@
           <a:p>
             <a:fld id="{0D165520-D099-4B55-9FA4-2C28BFF9116C}" type="datetimeFigureOut">
               <a:rPr lang="hu-HU" smtClean="0"/>
-              <a:t>2022. 01. 20.</a:t>
+              <a:t>2022. 01. 31.</a:t>
             </a:fld>
             <a:endParaRPr lang="hu-HU"/>
           </a:p>
@@ -1398,7 +1403,7 @@
           <a:p>
             <a:fld id="{0D165520-D099-4B55-9FA4-2C28BFF9116C}" type="datetimeFigureOut">
               <a:rPr lang="hu-HU" smtClean="0"/>
-              <a:t>2022. 01. 20.</a:t>
+              <a:t>2022. 01. 31.</a:t>
             </a:fld>
             <a:endParaRPr lang="hu-HU"/>
           </a:p>
@@ -1810,7 +1815,7 @@
           <a:p>
             <a:fld id="{0D165520-D099-4B55-9FA4-2C28BFF9116C}" type="datetimeFigureOut">
               <a:rPr lang="hu-HU" smtClean="0"/>
-              <a:t>2022. 01. 20.</a:t>
+              <a:t>2022. 01. 31.</a:t>
             </a:fld>
             <a:endParaRPr lang="hu-HU"/>
           </a:p>
@@ -1951,7 +1956,7 @@
           <a:p>
             <a:fld id="{0D165520-D099-4B55-9FA4-2C28BFF9116C}" type="datetimeFigureOut">
               <a:rPr lang="hu-HU" smtClean="0"/>
-              <a:t>2022. 01. 20.</a:t>
+              <a:t>2022. 01. 31.</a:t>
             </a:fld>
             <a:endParaRPr lang="hu-HU"/>
           </a:p>
@@ -2064,7 +2069,7 @@
           <a:p>
             <a:fld id="{0D165520-D099-4B55-9FA4-2C28BFF9116C}" type="datetimeFigureOut">
               <a:rPr lang="hu-HU" smtClean="0"/>
-              <a:t>2022. 01. 20.</a:t>
+              <a:t>2022. 01. 31.</a:t>
             </a:fld>
             <a:endParaRPr lang="hu-HU"/>
           </a:p>
@@ -2375,7 +2380,7 @@
           <a:p>
             <a:fld id="{0D165520-D099-4B55-9FA4-2C28BFF9116C}" type="datetimeFigureOut">
               <a:rPr lang="hu-HU" smtClean="0"/>
-              <a:t>2022. 01. 20.</a:t>
+              <a:t>2022. 01. 31.</a:t>
             </a:fld>
             <a:endParaRPr lang="hu-HU"/>
           </a:p>
@@ -2663,7 +2668,7 @@
           <a:p>
             <a:fld id="{0D165520-D099-4B55-9FA4-2C28BFF9116C}" type="datetimeFigureOut">
               <a:rPr lang="hu-HU" smtClean="0"/>
-              <a:t>2022. 01. 20.</a:t>
+              <a:t>2022. 01. 31.</a:t>
             </a:fld>
             <a:endParaRPr lang="hu-HU"/>
           </a:p>
@@ -2904,7 +2909,7 @@
           <a:p>
             <a:fld id="{0D165520-D099-4B55-9FA4-2C28BFF9116C}" type="datetimeFigureOut">
               <a:rPr lang="hu-HU" smtClean="0"/>
-              <a:t>2022. 01. 20.</a:t>
+              <a:t>2022. 01. 31.</a:t>
             </a:fld>
             <a:endParaRPr lang="hu-HU"/>
           </a:p>
@@ -3372,18 +3377,13 @@
           <a:p>
             <a:pPr algn="ctr"/>
             <a:r>
-              <a:rPr lang="hu-HU" sz="1400" dirty="0" err="1">
+              <a:rPr lang="hu-HU" sz="1400" dirty="0">
                 <a:latin typeface="Times New Roman" panose="02020603050405020304" pitchFamily="18" charset="0"/>
                 <a:ea typeface="Tahoma" panose="020B0604030504040204" pitchFamily="34" charset="0"/>
                 <a:cs typeface="Times New Roman" panose="02020603050405020304" pitchFamily="18" charset="0"/>
               </a:rPr>
               <a:t>Users</a:t>
             </a:r>
-            <a:endParaRPr lang="hu-HU" sz="1400" dirty="0">
-              <a:latin typeface="Times New Roman" panose="02020603050405020304" pitchFamily="18" charset="0"/>
-              <a:ea typeface="Tahoma" panose="020B0604030504040204" pitchFamily="34" charset="0"/>
-              <a:cs typeface="Times New Roman" panose="02020603050405020304" pitchFamily="18" charset="0"/>
-            </a:endParaRPr>
           </a:p>
         </p:txBody>
       </p:sp>
@@ -3438,16 +3438,12 @@
           <a:p>
             <a:pPr algn="ctr"/>
             <a:r>
-              <a:rPr lang="hu-HU" sz="1200" dirty="0" err="1">
+              <a:rPr lang="hu-HU" sz="1200" dirty="0">
                 <a:latin typeface="Times New Roman" panose="02020603050405020304" pitchFamily="18" charset="0"/>
                 <a:cs typeface="Times New Roman" panose="02020603050405020304" pitchFamily="18" charset="0"/>
               </a:rPr>
               <a:t>userName</a:t>
             </a:r>
-            <a:endParaRPr lang="hu-HU" sz="1200" dirty="0">
-              <a:latin typeface="Times New Roman" panose="02020603050405020304" pitchFamily="18" charset="0"/>
-              <a:cs typeface="Times New Roman" panose="02020603050405020304" pitchFamily="18" charset="0"/>
-            </a:endParaRPr>
           </a:p>
         </p:txBody>
       </p:sp>
@@ -3502,16 +3498,12 @@
           <a:p>
             <a:pPr algn="ctr"/>
             <a:r>
-              <a:rPr lang="hu-HU" sz="1200" dirty="0" err="1">
+              <a:rPr lang="hu-HU" sz="1200" dirty="0">
                 <a:latin typeface="Times New Roman" panose="02020603050405020304" pitchFamily="18" charset="0"/>
                 <a:cs typeface="Times New Roman" panose="02020603050405020304" pitchFamily="18" charset="0"/>
               </a:rPr>
               <a:t>userId</a:t>
             </a:r>
-            <a:endParaRPr lang="hu-HU" sz="1200" dirty="0">
-              <a:latin typeface="Times New Roman" panose="02020603050405020304" pitchFamily="18" charset="0"/>
-              <a:cs typeface="Times New Roman" panose="02020603050405020304" pitchFamily="18" charset="0"/>
-            </a:endParaRPr>
           </a:p>
         </p:txBody>
       </p:sp>
@@ -3566,16 +3558,12 @@
           <a:p>
             <a:pPr algn="ctr"/>
             <a:r>
-              <a:rPr lang="hu-HU" sz="1200" dirty="0" err="1">
+              <a:rPr lang="hu-HU" sz="1200" dirty="0">
                 <a:latin typeface="Times New Roman" panose="02020603050405020304" pitchFamily="18" charset="0"/>
                 <a:cs typeface="Times New Roman" panose="02020603050405020304" pitchFamily="18" charset="0"/>
               </a:rPr>
               <a:t>userPassword</a:t>
             </a:r>
-            <a:endParaRPr lang="hu-HU" sz="1200" dirty="0">
-              <a:latin typeface="Times New Roman" panose="02020603050405020304" pitchFamily="18" charset="0"/>
-              <a:cs typeface="Times New Roman" panose="02020603050405020304" pitchFamily="18" charset="0"/>
-            </a:endParaRPr>
           </a:p>
         </p:txBody>
       </p:sp>
@@ -3630,16 +3618,12 @@
           <a:p>
             <a:pPr algn="ctr"/>
             <a:r>
-              <a:rPr lang="hu-HU" sz="1200" dirty="0" err="1">
+              <a:rPr lang="hu-HU" sz="1200" dirty="0">
                 <a:latin typeface="Times New Roman" panose="02020603050405020304" pitchFamily="18" charset="0"/>
                 <a:cs typeface="Times New Roman" panose="02020603050405020304" pitchFamily="18" charset="0"/>
               </a:rPr>
               <a:t>userEmail</a:t>
             </a:r>
-            <a:endParaRPr lang="hu-HU" sz="1200" dirty="0">
-              <a:latin typeface="Times New Roman" panose="02020603050405020304" pitchFamily="18" charset="0"/>
-              <a:cs typeface="Times New Roman" panose="02020603050405020304" pitchFamily="18" charset="0"/>
-            </a:endParaRPr>
           </a:p>
         </p:txBody>
       </p:sp>
@@ -3694,16 +3678,12 @@
           <a:p>
             <a:pPr algn="ctr"/>
             <a:r>
-              <a:rPr lang="hu-HU" sz="1200" dirty="0" err="1">
+              <a:rPr lang="hu-HU" sz="1200" dirty="0">
                 <a:latin typeface="Times New Roman" panose="02020603050405020304" pitchFamily="18" charset="0"/>
                 <a:cs typeface="Times New Roman" panose="02020603050405020304" pitchFamily="18" charset="0"/>
               </a:rPr>
               <a:t>userPic</a:t>
             </a:r>
-            <a:endParaRPr lang="hu-HU" sz="1200" dirty="0">
-              <a:latin typeface="Times New Roman" panose="02020603050405020304" pitchFamily="18" charset="0"/>
-              <a:cs typeface="Times New Roman" panose="02020603050405020304" pitchFamily="18" charset="0"/>
-            </a:endParaRPr>
           </a:p>
         </p:txBody>
       </p:sp>
@@ -3758,16 +3738,12 @@
           <a:p>
             <a:pPr algn="ctr"/>
             <a:r>
-              <a:rPr lang="hu-HU" sz="1200" dirty="0" err="1">
+              <a:rPr lang="hu-HU" sz="1200" dirty="0">
                 <a:latin typeface="Times New Roman" panose="02020603050405020304" pitchFamily="18" charset="0"/>
                 <a:cs typeface="Times New Roman" panose="02020603050405020304" pitchFamily="18" charset="0"/>
               </a:rPr>
               <a:t>userAdmin</a:t>
             </a:r>
-            <a:endParaRPr lang="hu-HU" sz="1200" dirty="0">
-              <a:latin typeface="Times New Roman" panose="02020603050405020304" pitchFamily="18" charset="0"/>
-              <a:cs typeface="Times New Roman" panose="02020603050405020304" pitchFamily="18" charset="0"/>
-            </a:endParaRPr>
           </a:p>
         </p:txBody>
       </p:sp>
@@ -4079,18 +4055,13 @@
           <a:p>
             <a:pPr algn="ctr"/>
             <a:r>
-              <a:rPr lang="hu-HU" sz="1400" dirty="0" err="1">
+              <a:rPr lang="hu-HU" sz="1400" dirty="0">
                 <a:latin typeface="Times New Roman" panose="02020603050405020304" pitchFamily="18" charset="0"/>
                 <a:ea typeface="Tahoma" panose="020B0604030504040204" pitchFamily="34" charset="0"/>
                 <a:cs typeface="Times New Roman" panose="02020603050405020304" pitchFamily="18" charset="0"/>
               </a:rPr>
               <a:t>Games</a:t>
             </a:r>
-            <a:endParaRPr lang="hu-HU" sz="1400" dirty="0">
-              <a:latin typeface="Times New Roman" panose="02020603050405020304" pitchFamily="18" charset="0"/>
-              <a:ea typeface="Tahoma" panose="020B0604030504040204" pitchFamily="34" charset="0"/>
-              <a:cs typeface="Times New Roman" panose="02020603050405020304" pitchFamily="18" charset="0"/>
-            </a:endParaRPr>
           </a:p>
         </p:txBody>
       </p:sp>
@@ -4108,7 +4079,7 @@
         </p:nvSpPr>
         <p:spPr>
           <a:xfrm>
-            <a:off x="4235114" y="6047873"/>
+            <a:off x="3121691" y="6091476"/>
             <a:ext cx="1147010" cy="537410"/>
           </a:xfrm>
           <a:prstGeom prst="ellipse">
@@ -4145,16 +4116,12 @@
           <a:p>
             <a:pPr algn="ctr"/>
             <a:r>
-              <a:rPr lang="hu-HU" sz="1200" dirty="0" err="1">
+              <a:rPr lang="hu-HU" sz="1200" dirty="0">
                 <a:latin typeface="Times New Roman" panose="02020603050405020304" pitchFamily="18" charset="0"/>
                 <a:cs typeface="Times New Roman" panose="02020603050405020304" pitchFamily="18" charset="0"/>
               </a:rPr>
               <a:t>gameId</a:t>
             </a:r>
-            <a:endParaRPr lang="hu-HU" sz="1200" dirty="0">
-              <a:latin typeface="Times New Roman" panose="02020603050405020304" pitchFamily="18" charset="0"/>
-              <a:cs typeface="Times New Roman" panose="02020603050405020304" pitchFamily="18" charset="0"/>
-            </a:endParaRPr>
           </a:p>
         </p:txBody>
       </p:sp>
@@ -4172,7 +4139,7 @@
         </p:nvSpPr>
         <p:spPr>
           <a:xfrm>
-            <a:off x="5486396" y="6047873"/>
+            <a:off x="4402068" y="6087469"/>
             <a:ext cx="1251289" cy="537410"/>
           </a:xfrm>
           <a:prstGeom prst="ellipse">
@@ -4209,16 +4176,12 @@
           <a:p>
             <a:pPr algn="ctr"/>
             <a:r>
-              <a:rPr lang="hu-HU" sz="1200" dirty="0" err="1">
+              <a:rPr lang="hu-HU" sz="1200" dirty="0">
                 <a:latin typeface="Times New Roman" panose="02020603050405020304" pitchFamily="18" charset="0"/>
                 <a:cs typeface="Times New Roman" panose="02020603050405020304" pitchFamily="18" charset="0"/>
               </a:rPr>
               <a:t>gameName</a:t>
             </a:r>
-            <a:endParaRPr lang="hu-HU" sz="1200" dirty="0">
-              <a:latin typeface="Times New Roman" panose="02020603050405020304" pitchFamily="18" charset="0"/>
-              <a:cs typeface="Times New Roman" panose="02020603050405020304" pitchFamily="18" charset="0"/>
-            </a:endParaRPr>
           </a:p>
         </p:txBody>
       </p:sp>
@@ -4236,7 +4199,7 @@
         </p:nvSpPr>
         <p:spPr>
           <a:xfrm>
-            <a:off x="6837943" y="6047873"/>
+            <a:off x="5803210" y="6091475"/>
             <a:ext cx="1251289" cy="537410"/>
           </a:xfrm>
           <a:prstGeom prst="ellipse">
@@ -4273,16 +4236,12 @@
           <a:p>
             <a:pPr algn="ctr"/>
             <a:r>
-              <a:rPr lang="hu-HU" sz="1200" dirty="0" err="1">
+              <a:rPr lang="hu-HU" sz="1200" dirty="0">
                 <a:latin typeface="Times New Roman" panose="02020603050405020304" pitchFamily="18" charset="0"/>
                 <a:cs typeface="Times New Roman" panose="02020603050405020304" pitchFamily="18" charset="0"/>
               </a:rPr>
               <a:t>gameType</a:t>
             </a:r>
-            <a:endParaRPr lang="hu-HU" sz="1200" dirty="0">
-              <a:latin typeface="Times New Roman" panose="02020603050405020304" pitchFamily="18" charset="0"/>
-              <a:cs typeface="Times New Roman" panose="02020603050405020304" pitchFamily="18" charset="0"/>
-            </a:endParaRPr>
           </a:p>
         </p:txBody>
       </p:sp>
@@ -4304,8 +4263,8 @@
         </p:nvCxnSpPr>
         <p:spPr>
           <a:xfrm flipH="1">
-            <a:off x="4808619" y="5646822"/>
-            <a:ext cx="1287380" cy="401051"/>
+            <a:off x="3695196" y="5646822"/>
+            <a:ext cx="2400803" cy="444654"/>
           </a:xfrm>
           <a:prstGeom prst="straightConnector1">
             <a:avLst/>
@@ -4346,9 +4305,9 @@
           <p:nvPr/>
         </p:nvCxnSpPr>
         <p:spPr>
-          <a:xfrm>
-            <a:off x="6095999" y="5646822"/>
-            <a:ext cx="16042" cy="401051"/>
+          <a:xfrm flipH="1">
+            <a:off x="5027713" y="5646822"/>
+            <a:ext cx="1068286" cy="440647"/>
           </a:xfrm>
           <a:prstGeom prst="straightConnector1">
             <a:avLst/>
@@ -4391,7 +4350,7 @@
         <p:spPr>
           <a:xfrm>
             <a:off x="6095999" y="5646822"/>
-            <a:ext cx="1367589" cy="401051"/>
+            <a:ext cx="332856" cy="444653"/>
           </a:xfrm>
           <a:prstGeom prst="straightConnector1">
             <a:avLst/>
@@ -4466,18 +4425,13 @@
           <a:p>
             <a:pPr algn="ctr"/>
             <a:r>
-              <a:rPr lang="hu-HU" sz="1400" dirty="0" err="1">
+              <a:rPr lang="hu-HU" sz="1400" dirty="0">
                 <a:latin typeface="Times New Roman" panose="02020603050405020304" pitchFamily="18" charset="0"/>
                 <a:ea typeface="Tahoma" panose="020B0604030504040204" pitchFamily="34" charset="0"/>
                 <a:cs typeface="Times New Roman" panose="02020603050405020304" pitchFamily="18" charset="0"/>
               </a:rPr>
               <a:t>owned</a:t>
             </a:r>
-            <a:endParaRPr lang="hu-HU" sz="1400" dirty="0">
-              <a:latin typeface="Times New Roman" panose="02020603050405020304" pitchFamily="18" charset="0"/>
-              <a:ea typeface="Tahoma" panose="020B0604030504040204" pitchFamily="34" charset="0"/>
-              <a:cs typeface="Times New Roman" panose="02020603050405020304" pitchFamily="18" charset="0"/>
-            </a:endParaRPr>
           </a:p>
         </p:txBody>
       </p:sp>
@@ -4495,7 +4449,7 @@
         </p:nvSpPr>
         <p:spPr>
           <a:xfrm>
-            <a:off x="4122820" y="3545308"/>
+            <a:off x="4175956" y="2903622"/>
             <a:ext cx="1147010" cy="537410"/>
           </a:xfrm>
           <a:prstGeom prst="ellipse">
@@ -4532,16 +4486,12 @@
           <a:p>
             <a:pPr algn="ctr"/>
             <a:r>
-              <a:rPr lang="hu-HU" sz="1200" dirty="0" err="1">
+              <a:rPr lang="hu-HU" sz="1200" dirty="0">
                 <a:latin typeface="Times New Roman" panose="02020603050405020304" pitchFamily="18" charset="0"/>
                 <a:cs typeface="Times New Roman" panose="02020603050405020304" pitchFamily="18" charset="0"/>
               </a:rPr>
               <a:t>ownId</a:t>
             </a:r>
-            <a:endParaRPr lang="hu-HU" sz="1200" dirty="0">
-              <a:latin typeface="Times New Roman" panose="02020603050405020304" pitchFamily="18" charset="0"/>
-              <a:cs typeface="Times New Roman" panose="02020603050405020304" pitchFamily="18" charset="0"/>
-            </a:endParaRPr>
           </a:p>
         </p:txBody>
       </p:sp>
@@ -4559,7 +4509,7 @@
         </p:nvSpPr>
         <p:spPr>
           <a:xfrm>
-            <a:off x="6837943" y="3545308"/>
+            <a:off x="4175956" y="3562349"/>
             <a:ext cx="1147010" cy="537410"/>
           </a:xfrm>
           <a:prstGeom prst="ellipse">
@@ -4596,16 +4546,12 @@
           <a:p>
             <a:pPr algn="ctr"/>
             <a:r>
-              <a:rPr lang="hu-HU" sz="1200" dirty="0" err="1">
+              <a:rPr lang="hu-HU" sz="1200" dirty="0">
                 <a:latin typeface="Times New Roman" panose="02020603050405020304" pitchFamily="18" charset="0"/>
                 <a:cs typeface="Times New Roman" panose="02020603050405020304" pitchFamily="18" charset="0"/>
               </a:rPr>
               <a:t>oUId</a:t>
             </a:r>
-            <a:endParaRPr lang="hu-HU" sz="1200" dirty="0">
-              <a:latin typeface="Times New Roman" panose="02020603050405020304" pitchFamily="18" charset="0"/>
-              <a:cs typeface="Times New Roman" panose="02020603050405020304" pitchFamily="18" charset="0"/>
-            </a:endParaRPr>
           </a:p>
         </p:txBody>
       </p:sp>
@@ -4623,7 +4569,7 @@
         </p:nvSpPr>
         <p:spPr>
           <a:xfrm>
-            <a:off x="6890082" y="4443663"/>
+            <a:off x="4175956" y="4221077"/>
             <a:ext cx="1147010" cy="537410"/>
           </a:xfrm>
           <a:prstGeom prst="ellipse">
@@ -4660,16 +4606,12 @@
           <a:p>
             <a:pPr algn="ctr"/>
             <a:r>
-              <a:rPr lang="hu-HU" sz="1200" dirty="0" err="1">
+              <a:rPr lang="hu-HU" sz="1200" dirty="0">
                 <a:latin typeface="Times New Roman" panose="02020603050405020304" pitchFamily="18" charset="0"/>
                 <a:cs typeface="Times New Roman" panose="02020603050405020304" pitchFamily="18" charset="0"/>
               </a:rPr>
               <a:t>oGId</a:t>
             </a:r>
-            <a:endParaRPr lang="hu-HU" sz="1200" dirty="0">
-              <a:latin typeface="Times New Roman" panose="02020603050405020304" pitchFamily="18" charset="0"/>
-              <a:cs typeface="Times New Roman" panose="02020603050405020304" pitchFamily="18" charset="0"/>
-            </a:endParaRPr>
           </a:p>
         </p:txBody>
       </p:sp>
@@ -4690,9 +4632,9 @@
           <p:nvPr/>
         </p:nvCxnSpPr>
         <p:spPr>
-          <a:xfrm flipH="1">
-            <a:off x="5269830" y="3814013"/>
-            <a:ext cx="356936" cy="0"/>
+          <a:xfrm flipH="1" flipV="1">
+            <a:off x="5322966" y="3172327"/>
+            <a:ext cx="303800" cy="641686"/>
           </a:xfrm>
           <a:prstGeom prst="straightConnector1">
             <a:avLst/>
@@ -4727,15 +4669,15 @@
           </p:cNvPr>
           <p:cNvCxnSpPr>
             <a:cxnSpLocks/>
-            <a:stCxn id="44" idx="3"/>
-            <a:endCxn id="46" idx="2"/>
+            <a:stCxn id="44" idx="1"/>
+            <a:endCxn id="46" idx="6"/>
           </p:cNvCxnSpPr>
           <p:nvPr/>
         </p:nvCxnSpPr>
         <p:spPr>
-          <a:xfrm>
-            <a:off x="6565229" y="3814013"/>
-            <a:ext cx="272714" cy="0"/>
+          <a:xfrm flipH="1">
+            <a:off x="5322966" y="3814013"/>
+            <a:ext cx="303800" cy="17041"/>
           </a:xfrm>
           <a:prstGeom prst="straightConnector1">
             <a:avLst/>
@@ -4770,15 +4712,15 @@
           </p:cNvPr>
           <p:cNvCxnSpPr>
             <a:cxnSpLocks/>
-            <a:stCxn id="44" idx="3"/>
-            <a:endCxn id="47" idx="1"/>
+            <a:stCxn id="44" idx="1"/>
+            <a:endCxn id="47" idx="6"/>
           </p:cNvCxnSpPr>
           <p:nvPr/>
         </p:nvCxnSpPr>
         <p:spPr>
-          <a:xfrm>
-            <a:off x="6565229" y="3814013"/>
-            <a:ext cx="492829" cy="708352"/>
+          <a:xfrm flipH="1">
+            <a:off x="5322966" y="3814013"/>
+            <a:ext cx="303800" cy="675769"/>
           </a:xfrm>
           <a:prstGeom prst="straightConnector1">
             <a:avLst/>
@@ -4902,7 +4844,7 @@
         </p:nvSpPr>
         <p:spPr>
           <a:xfrm>
-            <a:off x="3066053" y="5049249"/>
+            <a:off x="3915276" y="5049249"/>
             <a:ext cx="1016664" cy="665749"/>
           </a:xfrm>
           <a:prstGeom prst="rect">
@@ -4939,66 +4881,13 @@
           <a:p>
             <a:pPr algn="ctr"/>
             <a:r>
-              <a:rPr lang="hu-HU" sz="1400" dirty="0" err="1">
-                <a:latin typeface="Times New Roman" panose="02020603050405020304" pitchFamily="18" charset="0"/>
-                <a:ea typeface="Tahoma" panose="020B0604030504040204" pitchFamily="34" charset="0"/>
-                <a:cs typeface="Times New Roman" panose="02020603050405020304" pitchFamily="18" charset="0"/>
-              </a:rPr>
-              <a:t>Not</a:t>
-            </a:r>
-            <a:r>
               <a:rPr lang="hu-HU" sz="1400" dirty="0">
                 <a:latin typeface="Times New Roman" panose="02020603050405020304" pitchFamily="18" charset="0"/>
                 <a:ea typeface="Tahoma" panose="020B0604030504040204" pitchFamily="34" charset="0"/>
                 <a:cs typeface="Times New Roman" panose="02020603050405020304" pitchFamily="18" charset="0"/>
               </a:rPr>
-              <a:t> </a:t>
-            </a:r>
-            <a:r>
-              <a:rPr lang="hu-HU" sz="1400" dirty="0" err="1">
-                <a:latin typeface="Times New Roman" panose="02020603050405020304" pitchFamily="18" charset="0"/>
-                <a:ea typeface="Tahoma" panose="020B0604030504040204" pitchFamily="34" charset="0"/>
-                <a:cs typeface="Times New Roman" panose="02020603050405020304" pitchFamily="18" charset="0"/>
-              </a:rPr>
-              <a:t>approved</a:t>
-            </a:r>
-            <a:r>
-              <a:rPr lang="hu-HU" sz="1400" dirty="0">
-                <a:latin typeface="Times New Roman" panose="02020603050405020304" pitchFamily="18" charset="0"/>
-                <a:ea typeface="Tahoma" panose="020B0604030504040204" pitchFamily="34" charset="0"/>
-                <a:cs typeface="Times New Roman" panose="02020603050405020304" pitchFamily="18" charset="0"/>
-              </a:rPr>
-              <a:t> </a:t>
-            </a:r>
-            <a:r>
-              <a:rPr lang="hu-HU" sz="1400" dirty="0" err="1">
-                <a:latin typeface="Times New Roman" panose="02020603050405020304" pitchFamily="18" charset="0"/>
-                <a:ea typeface="Tahoma" panose="020B0604030504040204" pitchFamily="34" charset="0"/>
-                <a:cs typeface="Times New Roman" panose="02020603050405020304" pitchFamily="18" charset="0"/>
-              </a:rPr>
-              <a:t>high</a:t>
-            </a:r>
-            <a:r>
-              <a:rPr lang="hu-HU" sz="1400" dirty="0">
-                <a:latin typeface="Times New Roman" panose="02020603050405020304" pitchFamily="18" charset="0"/>
-                <a:ea typeface="Tahoma" panose="020B0604030504040204" pitchFamily="34" charset="0"/>
-                <a:cs typeface="Times New Roman" panose="02020603050405020304" pitchFamily="18" charset="0"/>
-              </a:rPr>
-              <a:t> </a:t>
-            </a:r>
-            <a:r>
-              <a:rPr lang="hu-HU" sz="1400" dirty="0" err="1">
-                <a:latin typeface="Times New Roman" panose="02020603050405020304" pitchFamily="18" charset="0"/>
-                <a:ea typeface="Tahoma" panose="020B0604030504040204" pitchFamily="34" charset="0"/>
-                <a:cs typeface="Times New Roman" panose="02020603050405020304" pitchFamily="18" charset="0"/>
-              </a:rPr>
-              <a:t>scores</a:t>
-            </a:r>
-            <a:endParaRPr lang="hu-HU" sz="1400" dirty="0">
-              <a:latin typeface="Times New Roman" panose="02020603050405020304" pitchFamily="18" charset="0"/>
-              <a:ea typeface="Tahoma" panose="020B0604030504040204" pitchFamily="34" charset="0"/>
-              <a:cs typeface="Times New Roman" panose="02020603050405020304" pitchFamily="18" charset="0"/>
-            </a:endParaRPr>
+              <a:t>Not approved high scores</a:t>
+            </a:r>
           </a:p>
         </p:txBody>
       </p:sp>
@@ -5020,8 +4909,8 @@
         </p:nvCxnSpPr>
         <p:spPr>
           <a:xfrm flipH="1">
-            <a:off x="4082717" y="5378117"/>
-            <a:ext cx="1544050" cy="4007"/>
+            <a:off x="4931940" y="5378117"/>
+            <a:ext cx="694827" cy="4007"/>
           </a:xfrm>
           <a:prstGeom prst="straightConnector1">
             <a:avLst/>
@@ -5059,7 +4948,7 @@
         </p:nvSpPr>
         <p:spPr>
           <a:xfrm>
-            <a:off x="1483894" y="4399547"/>
+            <a:off x="1411202" y="4399547"/>
             <a:ext cx="1147010" cy="537410"/>
           </a:xfrm>
           <a:prstGeom prst="ellipse">
@@ -5096,16 +4985,12 @@
           <a:p>
             <a:pPr algn="ctr"/>
             <a:r>
-              <a:rPr lang="hu-HU" sz="1200" dirty="0" err="1">
+              <a:rPr lang="hu-HU" sz="1200" dirty="0">
                 <a:latin typeface="Times New Roman" panose="02020603050405020304" pitchFamily="18" charset="0"/>
                 <a:cs typeface="Times New Roman" panose="02020603050405020304" pitchFamily="18" charset="0"/>
               </a:rPr>
               <a:t>scoreId</a:t>
             </a:r>
-            <a:endParaRPr lang="hu-HU" sz="1200" dirty="0">
-              <a:latin typeface="Times New Roman" panose="02020603050405020304" pitchFamily="18" charset="0"/>
-              <a:cs typeface="Times New Roman" panose="02020603050405020304" pitchFamily="18" charset="0"/>
-            </a:endParaRPr>
           </a:p>
         </p:txBody>
       </p:sp>
@@ -5127,8 +5012,8 @@
         </p:nvCxnSpPr>
         <p:spPr>
           <a:xfrm flipH="1" flipV="1">
-            <a:off x="2630904" y="4668252"/>
-            <a:ext cx="435149" cy="713872"/>
+            <a:off x="2558212" y="4668252"/>
+            <a:ext cx="1357064" cy="713872"/>
           </a:xfrm>
           <a:prstGeom prst="straightConnector1">
             <a:avLst/>
@@ -5166,7 +5051,7 @@
         </p:nvSpPr>
         <p:spPr>
           <a:xfrm>
-            <a:off x="1483894" y="5011151"/>
+            <a:off x="1411202" y="4998119"/>
             <a:ext cx="1147010" cy="537410"/>
           </a:xfrm>
           <a:prstGeom prst="ellipse">
@@ -5203,16 +5088,12 @@
           <a:p>
             <a:pPr algn="ctr"/>
             <a:r>
-              <a:rPr lang="hu-HU" sz="1200" dirty="0" err="1">
+              <a:rPr lang="hu-HU" sz="1200" dirty="0">
                 <a:latin typeface="Times New Roman" panose="02020603050405020304" pitchFamily="18" charset="0"/>
                 <a:cs typeface="Times New Roman" panose="02020603050405020304" pitchFamily="18" charset="0"/>
               </a:rPr>
               <a:t>hUId</a:t>
             </a:r>
-            <a:endParaRPr lang="hu-HU" sz="1200" dirty="0">
-              <a:latin typeface="Times New Roman" panose="02020603050405020304" pitchFamily="18" charset="0"/>
-              <a:cs typeface="Times New Roman" panose="02020603050405020304" pitchFamily="18" charset="0"/>
-            </a:endParaRPr>
           </a:p>
         </p:txBody>
       </p:sp>
@@ -5234,8 +5115,8 @@
         </p:nvCxnSpPr>
         <p:spPr>
           <a:xfrm flipH="1" flipV="1">
-            <a:off x="2630904" y="5279856"/>
-            <a:ext cx="435149" cy="102268"/>
+            <a:off x="2558212" y="5266824"/>
+            <a:ext cx="1357064" cy="115300"/>
           </a:xfrm>
           <a:prstGeom prst="straightConnector1">
             <a:avLst/>
@@ -5273,7 +5154,7 @@
         </p:nvSpPr>
         <p:spPr>
           <a:xfrm>
-            <a:off x="1465854" y="5621751"/>
+            <a:off x="1411201" y="5599199"/>
             <a:ext cx="1147010" cy="537410"/>
           </a:xfrm>
           <a:prstGeom prst="ellipse">
@@ -5310,16 +5191,12 @@
           <a:p>
             <a:pPr algn="ctr"/>
             <a:r>
-              <a:rPr lang="hu-HU" sz="1200" dirty="0" err="1">
+              <a:rPr lang="hu-HU" sz="1200" dirty="0">
                 <a:latin typeface="Times New Roman" panose="02020603050405020304" pitchFamily="18" charset="0"/>
                 <a:cs typeface="Times New Roman" panose="02020603050405020304" pitchFamily="18" charset="0"/>
               </a:rPr>
               <a:t>hGId</a:t>
             </a:r>
-            <a:endParaRPr lang="hu-HU" sz="1200" dirty="0">
-              <a:latin typeface="Times New Roman" panose="02020603050405020304" pitchFamily="18" charset="0"/>
-              <a:cs typeface="Times New Roman" panose="02020603050405020304" pitchFamily="18" charset="0"/>
-            </a:endParaRPr>
           </a:p>
         </p:txBody>
       </p:sp>
@@ -5341,8 +5218,8 @@
         </p:nvCxnSpPr>
         <p:spPr>
           <a:xfrm flipH="1">
-            <a:off x="2612864" y="5382124"/>
-            <a:ext cx="453189" cy="508332"/>
+            <a:off x="2558211" y="5382124"/>
+            <a:ext cx="1357065" cy="485780"/>
           </a:xfrm>
           <a:prstGeom prst="straightConnector1">
             <a:avLst/>
@@ -5417,16 +5294,12 @@
           <a:p>
             <a:pPr algn="ctr"/>
             <a:r>
-              <a:rPr lang="hu-HU" sz="1200" dirty="0" err="1">
+              <a:rPr lang="hu-HU" sz="1200" dirty="0">
                 <a:latin typeface="Times New Roman" panose="02020603050405020304" pitchFamily="18" charset="0"/>
                 <a:cs typeface="Times New Roman" panose="02020603050405020304" pitchFamily="18" charset="0"/>
               </a:rPr>
               <a:t>scorePoints</a:t>
             </a:r>
-            <a:endParaRPr lang="hu-HU" sz="1200" dirty="0">
-              <a:latin typeface="Times New Roman" panose="02020603050405020304" pitchFamily="18" charset="0"/>
-              <a:cs typeface="Times New Roman" panose="02020603050405020304" pitchFamily="18" charset="0"/>
-            </a:endParaRPr>
           </a:p>
         </p:txBody>
       </p:sp>
@@ -5449,7 +5322,7 @@
         <p:spPr>
           <a:xfrm flipH="1" flipV="1">
             <a:off x="2637919" y="4046120"/>
-            <a:ext cx="428134" cy="1336004"/>
+            <a:ext cx="1277357" cy="1336004"/>
           </a:xfrm>
           <a:prstGeom prst="straightConnector1">
             <a:avLst/>
@@ -5487,7 +5360,7 @@
         </p:nvSpPr>
         <p:spPr>
           <a:xfrm>
-            <a:off x="2911641" y="2433383"/>
+            <a:off x="2458452" y="2410576"/>
             <a:ext cx="1016664" cy="665749"/>
           </a:xfrm>
           <a:prstGeom prst="rect">
@@ -5524,50 +5397,13 @@
           <a:p>
             <a:pPr algn="ctr"/>
             <a:r>
-              <a:rPr lang="hu-HU" sz="1400" dirty="0" err="1">
-                <a:latin typeface="Times New Roman" panose="02020603050405020304" pitchFamily="18" charset="0"/>
-                <a:ea typeface="Tahoma" panose="020B0604030504040204" pitchFamily="34" charset="0"/>
-                <a:cs typeface="Times New Roman" panose="02020603050405020304" pitchFamily="18" charset="0"/>
-              </a:rPr>
-              <a:t>Approved</a:t>
-            </a:r>
-            <a:r>
               <a:rPr lang="hu-HU" sz="1400" dirty="0">
                 <a:latin typeface="Times New Roman" panose="02020603050405020304" pitchFamily="18" charset="0"/>
                 <a:ea typeface="Tahoma" panose="020B0604030504040204" pitchFamily="34" charset="0"/>
                 <a:cs typeface="Times New Roman" panose="02020603050405020304" pitchFamily="18" charset="0"/>
               </a:rPr>
-              <a:t> </a:t>
-            </a:r>
-            <a:r>
-              <a:rPr lang="hu-HU" sz="1400" dirty="0" err="1">
-                <a:latin typeface="Times New Roman" panose="02020603050405020304" pitchFamily="18" charset="0"/>
-                <a:ea typeface="Tahoma" panose="020B0604030504040204" pitchFamily="34" charset="0"/>
-                <a:cs typeface="Times New Roman" panose="02020603050405020304" pitchFamily="18" charset="0"/>
-              </a:rPr>
-              <a:t>high</a:t>
-            </a:r>
-            <a:r>
-              <a:rPr lang="hu-HU" sz="1400" dirty="0">
-                <a:latin typeface="Times New Roman" panose="02020603050405020304" pitchFamily="18" charset="0"/>
-                <a:ea typeface="Tahoma" panose="020B0604030504040204" pitchFamily="34" charset="0"/>
-                <a:cs typeface="Times New Roman" panose="02020603050405020304" pitchFamily="18" charset="0"/>
-              </a:rPr>
-              <a:t> </a:t>
-            </a:r>
-            <a:r>
-              <a:rPr lang="hu-HU" sz="1400" dirty="0" err="1">
-                <a:latin typeface="Times New Roman" panose="02020603050405020304" pitchFamily="18" charset="0"/>
-                <a:ea typeface="Tahoma" panose="020B0604030504040204" pitchFamily="34" charset="0"/>
-                <a:cs typeface="Times New Roman" panose="02020603050405020304" pitchFamily="18" charset="0"/>
-              </a:rPr>
-              <a:t>scores</a:t>
-            </a:r>
-            <a:endParaRPr lang="hu-HU" sz="1400" dirty="0">
-              <a:latin typeface="Times New Roman" panose="02020603050405020304" pitchFamily="18" charset="0"/>
-              <a:ea typeface="Tahoma" panose="020B0604030504040204" pitchFamily="34" charset="0"/>
-              <a:cs typeface="Times New Roman" panose="02020603050405020304" pitchFamily="18" charset="0"/>
-            </a:endParaRPr>
+              <a:t>Approved high scores</a:t>
+            </a:r>
           </a:p>
         </p:txBody>
       </p:sp>
@@ -5585,7 +5421,7 @@
         </p:nvSpPr>
         <p:spPr>
           <a:xfrm>
-            <a:off x="1329482" y="1783681"/>
+            <a:off x="1030726" y="1796465"/>
             <a:ext cx="1147010" cy="537410"/>
           </a:xfrm>
           <a:prstGeom prst="ellipse">
@@ -5622,16 +5458,12 @@
           <a:p>
             <a:pPr algn="ctr"/>
             <a:r>
-              <a:rPr lang="hu-HU" sz="1200" dirty="0" err="1">
+              <a:rPr lang="hu-HU" sz="1200" dirty="0">
                 <a:latin typeface="Times New Roman" panose="02020603050405020304" pitchFamily="18" charset="0"/>
                 <a:cs typeface="Times New Roman" panose="02020603050405020304" pitchFamily="18" charset="0"/>
               </a:rPr>
               <a:t>scoreId</a:t>
             </a:r>
-            <a:endParaRPr lang="hu-HU" sz="1200" dirty="0">
-              <a:latin typeface="Times New Roman" panose="02020603050405020304" pitchFamily="18" charset="0"/>
-              <a:cs typeface="Times New Roman" panose="02020603050405020304" pitchFamily="18" charset="0"/>
-            </a:endParaRPr>
           </a:p>
         </p:txBody>
       </p:sp>
@@ -5653,8 +5485,8 @@
         </p:nvCxnSpPr>
         <p:spPr>
           <a:xfrm flipH="1" flipV="1">
-            <a:off x="2476492" y="2052386"/>
-            <a:ext cx="435149" cy="713872"/>
+            <a:off x="2177736" y="2065170"/>
+            <a:ext cx="280716" cy="678281"/>
           </a:xfrm>
           <a:prstGeom prst="straightConnector1">
             <a:avLst/>
@@ -5692,7 +5524,7 @@
         </p:nvSpPr>
         <p:spPr>
           <a:xfrm>
-            <a:off x="1329482" y="2395285"/>
+            <a:off x="1025702" y="2366963"/>
             <a:ext cx="1147010" cy="537410"/>
           </a:xfrm>
           <a:prstGeom prst="ellipse">
@@ -5729,16 +5561,12 @@
           <a:p>
             <a:pPr algn="ctr"/>
             <a:r>
-              <a:rPr lang="hu-HU" sz="1200" dirty="0" err="1">
+              <a:rPr lang="hu-HU" sz="1200" dirty="0">
                 <a:latin typeface="Times New Roman" panose="02020603050405020304" pitchFamily="18" charset="0"/>
                 <a:cs typeface="Times New Roman" panose="02020603050405020304" pitchFamily="18" charset="0"/>
               </a:rPr>
               <a:t>hUId</a:t>
             </a:r>
-            <a:endParaRPr lang="hu-HU" sz="1200" dirty="0">
-              <a:latin typeface="Times New Roman" panose="02020603050405020304" pitchFamily="18" charset="0"/>
-              <a:cs typeface="Times New Roman" panose="02020603050405020304" pitchFamily="18" charset="0"/>
-            </a:endParaRPr>
           </a:p>
         </p:txBody>
       </p:sp>
@@ -5760,8 +5588,8 @@
         </p:nvCxnSpPr>
         <p:spPr>
           <a:xfrm flipH="1" flipV="1">
-            <a:off x="2476492" y="2663990"/>
-            <a:ext cx="435149" cy="102268"/>
+            <a:off x="2172712" y="2635668"/>
+            <a:ext cx="285740" cy="107783"/>
           </a:xfrm>
           <a:prstGeom prst="straightConnector1">
             <a:avLst/>
@@ -5799,7 +5627,7 @@
         </p:nvSpPr>
         <p:spPr>
           <a:xfrm>
-            <a:off x="1311442" y="3005885"/>
+            <a:off x="1030726" y="2977563"/>
             <a:ext cx="1147010" cy="537410"/>
           </a:xfrm>
           <a:prstGeom prst="ellipse">
@@ -5836,16 +5664,12 @@
           <a:p>
             <a:pPr algn="ctr"/>
             <a:r>
-              <a:rPr lang="hu-HU" sz="1200" dirty="0" err="1">
+              <a:rPr lang="hu-HU" sz="1200" dirty="0">
                 <a:latin typeface="Times New Roman" panose="02020603050405020304" pitchFamily="18" charset="0"/>
                 <a:cs typeface="Times New Roman" panose="02020603050405020304" pitchFamily="18" charset="0"/>
               </a:rPr>
               <a:t>hGId</a:t>
             </a:r>
-            <a:endParaRPr lang="hu-HU" sz="1200" dirty="0">
-              <a:latin typeface="Times New Roman" panose="02020603050405020304" pitchFamily="18" charset="0"/>
-              <a:cs typeface="Times New Roman" panose="02020603050405020304" pitchFamily="18" charset="0"/>
-            </a:endParaRPr>
           </a:p>
         </p:txBody>
       </p:sp>
@@ -5867,8 +5691,8 @@
         </p:nvCxnSpPr>
         <p:spPr>
           <a:xfrm flipH="1">
-            <a:off x="2458452" y="2766258"/>
-            <a:ext cx="453189" cy="508332"/>
+            <a:off x="2177736" y="2743451"/>
+            <a:ext cx="280716" cy="502817"/>
           </a:xfrm>
           <a:prstGeom prst="straightConnector1">
             <a:avLst/>
@@ -5906,7 +5730,7 @@
         </p:nvSpPr>
         <p:spPr>
           <a:xfrm>
-            <a:off x="1177083" y="1113923"/>
+            <a:off x="945995" y="1100138"/>
             <a:ext cx="1306424" cy="632661"/>
           </a:xfrm>
           <a:prstGeom prst="ellipse">
@@ -5943,16 +5767,12 @@
           <a:p>
             <a:pPr algn="ctr"/>
             <a:r>
-              <a:rPr lang="hu-HU" sz="1200" dirty="0" err="1">
+              <a:rPr lang="hu-HU" sz="1200" dirty="0">
                 <a:latin typeface="Times New Roman" panose="02020603050405020304" pitchFamily="18" charset="0"/>
                 <a:cs typeface="Times New Roman" panose="02020603050405020304" pitchFamily="18" charset="0"/>
               </a:rPr>
               <a:t>scorePoints</a:t>
             </a:r>
-            <a:endParaRPr lang="hu-HU" sz="1200" dirty="0">
-              <a:latin typeface="Times New Roman" panose="02020603050405020304" pitchFamily="18" charset="0"/>
-              <a:cs typeface="Times New Roman" panose="02020603050405020304" pitchFamily="18" charset="0"/>
-            </a:endParaRPr>
           </a:p>
         </p:txBody>
       </p:sp>
@@ -5974,8 +5794,8 @@
         </p:nvCxnSpPr>
         <p:spPr>
           <a:xfrm flipH="1" flipV="1">
-            <a:off x="2483507" y="1430254"/>
-            <a:ext cx="428134" cy="1336004"/>
+            <a:off x="2252419" y="1416469"/>
+            <a:ext cx="206033" cy="1326982"/>
           </a:xfrm>
           <a:prstGeom prst="straightConnector1">
             <a:avLst/>
@@ -6017,8 +5837,1761 @@
         </p:nvCxnSpPr>
         <p:spPr>
           <a:xfrm flipH="1" flipV="1">
-            <a:off x="3419973" y="3099132"/>
-            <a:ext cx="154412" cy="1950117"/>
+            <a:off x="2966784" y="3076325"/>
+            <a:ext cx="1456824" cy="1972924"/>
+          </a:xfrm>
+          <a:prstGeom prst="straightConnector1">
+            <a:avLst/>
+          </a:prstGeom>
+          <a:ln>
+            <a:tailEnd type="triangle"/>
+          </a:ln>
+        </p:spPr>
+        <p:style>
+          <a:lnRef idx="3">
+            <a:schemeClr val="dk1"/>
+          </a:lnRef>
+          <a:fillRef idx="0">
+            <a:schemeClr val="dk1"/>
+          </a:fillRef>
+          <a:effectRef idx="2">
+            <a:schemeClr val="dk1"/>
+          </a:effectRef>
+          <a:fontRef idx="minor">
+            <a:schemeClr val="tx1"/>
+          </a:fontRef>
+        </p:style>
+      </p:cxnSp>
+      <p:sp>
+        <p:nvSpPr>
+          <p:cNvPr id="52" name="Ellipszis 51">
+            <a:extLst>
+              <a:ext uri="{FF2B5EF4-FFF2-40B4-BE49-F238E27FC236}">
+                <a16:creationId xmlns:a16="http://schemas.microsoft.com/office/drawing/2014/main" id="{8469BA91-A9AF-4B83-B3C3-C6624A4ADFFC}"/>
+              </a:ext>
+            </a:extLst>
+          </p:cNvPr>
+          <p:cNvSpPr/>
+          <p:nvPr/>
+        </p:nvSpPr>
+        <p:spPr>
+          <a:xfrm>
+            <a:off x="7186859" y="6096507"/>
+            <a:ext cx="1251289" cy="537410"/>
+          </a:xfrm>
+          <a:prstGeom prst="ellipse">
+            <a:avLst/>
+          </a:prstGeom>
+          <a:noFill/>
+          <a:ln w="9525" cap="flat" cmpd="sng" algn="ctr">
+            <a:solidFill>
+              <a:schemeClr val="dk1"/>
+            </a:solidFill>
+            <a:prstDash val="solid"/>
+            <a:round/>
+            <a:headEnd type="none" w="med" len="med"/>
+            <a:tailEnd type="none" w="med" len="med"/>
+          </a:ln>
+        </p:spPr>
+        <p:style>
+          <a:lnRef idx="0">
+            <a:scrgbClr r="0" g="0" b="0"/>
+          </a:lnRef>
+          <a:fillRef idx="0">
+            <a:scrgbClr r="0" g="0" b="0"/>
+          </a:fillRef>
+          <a:effectRef idx="0">
+            <a:scrgbClr r="0" g="0" b="0"/>
+          </a:effectRef>
+          <a:fontRef idx="minor">
+            <a:schemeClr val="dk1"/>
+          </a:fontRef>
+        </p:style>
+        <p:txBody>
+          <a:bodyPr rtlCol="0" anchor="ctr"/>
+          <a:lstStyle/>
+          <a:p>
+            <a:pPr algn="ctr"/>
+            <a:r>
+              <a:rPr lang="hu-HU" sz="1200" dirty="0">
+                <a:latin typeface="Times New Roman" panose="02020603050405020304" pitchFamily="18" charset="0"/>
+                <a:cs typeface="Times New Roman" panose="02020603050405020304" pitchFamily="18" charset="0"/>
+              </a:rPr>
+              <a:t>gamePic</a:t>
+            </a:r>
+          </a:p>
+        </p:txBody>
+      </p:sp>
+      <p:cxnSp>
+        <p:nvCxnSpPr>
+          <p:cNvPr id="56" name="Egyenes összekötő nyíllal 55">
+            <a:extLst>
+              <a:ext uri="{FF2B5EF4-FFF2-40B4-BE49-F238E27FC236}">
+                <a16:creationId xmlns:a16="http://schemas.microsoft.com/office/drawing/2014/main" id="{258B5ADD-FA7B-403D-B8C2-1432C6E82F10}"/>
+              </a:ext>
+            </a:extLst>
+          </p:cNvPr>
+          <p:cNvCxnSpPr>
+            <a:cxnSpLocks/>
+            <a:stCxn id="31" idx="2"/>
+            <a:endCxn id="52" idx="0"/>
+          </p:cNvCxnSpPr>
+          <p:nvPr/>
+        </p:nvCxnSpPr>
+        <p:spPr>
+          <a:xfrm>
+            <a:off x="6095999" y="5646822"/>
+            <a:ext cx="1716505" cy="449685"/>
+          </a:xfrm>
+          <a:prstGeom prst="straightConnector1">
+            <a:avLst/>
+          </a:prstGeom>
+          <a:ln>
+            <a:tailEnd type="triangle"/>
+          </a:ln>
+        </p:spPr>
+        <p:style>
+          <a:lnRef idx="3">
+            <a:schemeClr val="dk1"/>
+          </a:lnRef>
+          <a:fillRef idx="0">
+            <a:schemeClr val="dk1"/>
+          </a:fillRef>
+          <a:effectRef idx="2">
+            <a:schemeClr val="dk1"/>
+          </a:effectRef>
+          <a:fontRef idx="minor">
+            <a:schemeClr val="tx1"/>
+          </a:fontRef>
+        </p:style>
+      </p:cxnSp>
+      <p:cxnSp>
+        <p:nvCxnSpPr>
+          <p:cNvPr id="81" name="Egyenes összekötő nyíllal 80">
+            <a:extLst>
+              <a:ext uri="{FF2B5EF4-FFF2-40B4-BE49-F238E27FC236}">
+                <a16:creationId xmlns:a16="http://schemas.microsoft.com/office/drawing/2014/main" id="{BB5F04CE-39FC-42D3-90C6-CEDFCA48D7C5}"/>
+              </a:ext>
+            </a:extLst>
+          </p:cNvPr>
+          <p:cNvCxnSpPr>
+            <a:cxnSpLocks/>
+            <a:stCxn id="31" idx="3"/>
+            <a:endCxn id="82" idx="1"/>
+          </p:cNvCxnSpPr>
+          <p:nvPr/>
+        </p:nvCxnSpPr>
+        <p:spPr>
+          <a:xfrm>
+            <a:off x="6565230" y="5378117"/>
+            <a:ext cx="518338" cy="0"/>
+          </a:xfrm>
+          <a:prstGeom prst="straightConnector1">
+            <a:avLst/>
+          </a:prstGeom>
+          <a:ln>
+            <a:tailEnd type="triangle"/>
+          </a:ln>
+        </p:spPr>
+        <p:style>
+          <a:lnRef idx="3">
+            <a:schemeClr val="dk1"/>
+          </a:lnRef>
+          <a:fillRef idx="0">
+            <a:schemeClr val="dk1"/>
+          </a:fillRef>
+          <a:effectRef idx="2">
+            <a:schemeClr val="dk1"/>
+          </a:effectRef>
+          <a:fontRef idx="minor">
+            <a:schemeClr val="tx1"/>
+          </a:fontRef>
+        </p:style>
+      </p:cxnSp>
+      <p:sp>
+        <p:nvSpPr>
+          <p:cNvPr id="82" name="Téglalap 81">
+            <a:extLst>
+              <a:ext uri="{FF2B5EF4-FFF2-40B4-BE49-F238E27FC236}">
+                <a16:creationId xmlns:a16="http://schemas.microsoft.com/office/drawing/2014/main" id="{9629CAAF-F39A-41EB-A3FB-8D1194897F43}"/>
+              </a:ext>
+            </a:extLst>
+          </p:cNvPr>
+          <p:cNvSpPr/>
+          <p:nvPr/>
+        </p:nvSpPr>
+        <p:spPr>
+          <a:xfrm>
+            <a:off x="7083568" y="5109412"/>
+            <a:ext cx="1412732" cy="537410"/>
+          </a:xfrm>
+          <a:prstGeom prst="rect">
+            <a:avLst/>
+          </a:prstGeom>
+          <a:noFill/>
+          <a:ln w="9525" cap="flat" cmpd="sng" algn="ctr">
+            <a:solidFill>
+              <a:schemeClr val="dk1"/>
+            </a:solidFill>
+            <a:prstDash val="solid"/>
+            <a:round/>
+            <a:headEnd type="none" w="med" len="med"/>
+            <a:tailEnd type="none" w="med" len="med"/>
+          </a:ln>
+        </p:spPr>
+        <p:style>
+          <a:lnRef idx="0">
+            <a:scrgbClr r="0" g="0" b="0"/>
+          </a:lnRef>
+          <a:fillRef idx="0">
+            <a:scrgbClr r="0" g="0" b="0"/>
+          </a:fillRef>
+          <a:effectRef idx="0">
+            <a:scrgbClr r="0" g="0" b="0"/>
+          </a:effectRef>
+          <a:fontRef idx="minor">
+            <a:schemeClr val="dk1"/>
+          </a:fontRef>
+        </p:style>
+        <p:txBody>
+          <a:bodyPr rtlCol="0" anchor="ctr"/>
+          <a:lstStyle/>
+          <a:p>
+            <a:pPr algn="ctr"/>
+            <a:r>
+              <a:rPr lang="hu-HU" sz="1400" dirty="0">
+                <a:latin typeface="Times New Roman" panose="02020603050405020304" pitchFamily="18" charset="0"/>
+                <a:ea typeface="Tahoma" panose="020B0604030504040204" pitchFamily="34" charset="0"/>
+                <a:cs typeface="Times New Roman" panose="02020603050405020304" pitchFamily="18" charset="0"/>
+              </a:rPr>
+              <a:t>minRequirement</a:t>
+            </a:r>
+          </a:p>
+        </p:txBody>
+      </p:sp>
+      <p:sp>
+        <p:nvSpPr>
+          <p:cNvPr id="89" name="Ellipszis 88">
+            <a:extLst>
+              <a:ext uri="{FF2B5EF4-FFF2-40B4-BE49-F238E27FC236}">
+                <a16:creationId xmlns:a16="http://schemas.microsoft.com/office/drawing/2014/main" id="{904E3F88-3949-44C6-A626-30C379C38B19}"/>
+              </a:ext>
+            </a:extLst>
+          </p:cNvPr>
+          <p:cNvSpPr/>
+          <p:nvPr/>
+        </p:nvSpPr>
+        <p:spPr>
+          <a:xfrm>
+            <a:off x="10032315" y="6175459"/>
+            <a:ext cx="1259305" cy="537410"/>
+          </a:xfrm>
+          <a:prstGeom prst="ellipse">
+            <a:avLst/>
+          </a:prstGeom>
+          <a:noFill/>
+          <a:ln w="9525" cap="flat" cmpd="sng" algn="ctr">
+            <a:solidFill>
+              <a:schemeClr val="dk1"/>
+            </a:solidFill>
+            <a:prstDash val="solid"/>
+            <a:round/>
+            <a:headEnd type="none" w="med" len="med"/>
+            <a:tailEnd type="none" w="med" len="med"/>
+          </a:ln>
+        </p:spPr>
+        <p:style>
+          <a:lnRef idx="0">
+            <a:scrgbClr r="0" g="0" b="0"/>
+          </a:lnRef>
+          <a:fillRef idx="0">
+            <a:scrgbClr r="0" g="0" b="0"/>
+          </a:fillRef>
+          <a:effectRef idx="0">
+            <a:scrgbClr r="0" g="0" b="0"/>
+          </a:effectRef>
+          <a:fontRef idx="minor">
+            <a:schemeClr val="dk1"/>
+          </a:fontRef>
+        </p:style>
+        <p:txBody>
+          <a:bodyPr rtlCol="0" anchor="ctr"/>
+          <a:lstStyle/>
+          <a:p>
+            <a:pPr algn="ctr"/>
+            <a:r>
+              <a:rPr lang="hu-HU" sz="1200" dirty="0">
+                <a:latin typeface="Times New Roman" panose="02020603050405020304" pitchFamily="18" charset="0"/>
+                <a:cs typeface="Times New Roman" panose="02020603050405020304" pitchFamily="18" charset="0"/>
+              </a:rPr>
+              <a:t>minId</a:t>
+            </a:r>
+          </a:p>
+        </p:txBody>
+      </p:sp>
+      <p:sp>
+        <p:nvSpPr>
+          <p:cNvPr id="90" name="Ellipszis 89">
+            <a:extLst>
+              <a:ext uri="{FF2B5EF4-FFF2-40B4-BE49-F238E27FC236}">
+                <a16:creationId xmlns:a16="http://schemas.microsoft.com/office/drawing/2014/main" id="{3CCDE7FA-8773-4C44-9F1B-5DAF2C4F0501}"/>
+              </a:ext>
+            </a:extLst>
+          </p:cNvPr>
+          <p:cNvSpPr/>
+          <p:nvPr/>
+        </p:nvSpPr>
+        <p:spPr>
+          <a:xfrm>
+            <a:off x="10718114" y="5685672"/>
+            <a:ext cx="1259305" cy="537410"/>
+          </a:xfrm>
+          <a:prstGeom prst="ellipse">
+            <a:avLst/>
+          </a:prstGeom>
+          <a:noFill/>
+          <a:ln w="9525" cap="flat" cmpd="sng" algn="ctr">
+            <a:solidFill>
+              <a:schemeClr val="dk1"/>
+            </a:solidFill>
+            <a:prstDash val="solid"/>
+            <a:round/>
+            <a:headEnd type="none" w="med" len="med"/>
+            <a:tailEnd type="none" w="med" len="med"/>
+          </a:ln>
+        </p:spPr>
+        <p:style>
+          <a:lnRef idx="0">
+            <a:scrgbClr r="0" g="0" b="0"/>
+          </a:lnRef>
+          <a:fillRef idx="0">
+            <a:scrgbClr r="0" g="0" b="0"/>
+          </a:fillRef>
+          <a:effectRef idx="0">
+            <a:scrgbClr r="0" g="0" b="0"/>
+          </a:effectRef>
+          <a:fontRef idx="minor">
+            <a:schemeClr val="dk1"/>
+          </a:fontRef>
+        </p:style>
+        <p:txBody>
+          <a:bodyPr rtlCol="0" anchor="ctr"/>
+          <a:lstStyle/>
+          <a:p>
+            <a:pPr algn="ctr"/>
+            <a:r>
+              <a:rPr lang="hu-HU" sz="1200" dirty="0">
+                <a:latin typeface="Times New Roman" panose="02020603050405020304" pitchFamily="18" charset="0"/>
+                <a:cs typeface="Times New Roman" panose="02020603050405020304" pitchFamily="18" charset="0"/>
+              </a:rPr>
+              <a:t>mGId</a:t>
+            </a:r>
+          </a:p>
+        </p:txBody>
+      </p:sp>
+      <p:sp>
+        <p:nvSpPr>
+          <p:cNvPr id="91" name="Ellipszis 90">
+            <a:extLst>
+              <a:ext uri="{FF2B5EF4-FFF2-40B4-BE49-F238E27FC236}">
+                <a16:creationId xmlns:a16="http://schemas.microsoft.com/office/drawing/2014/main" id="{AC4EBEEE-C087-4C87-8B9A-445C49028F41}"/>
+              </a:ext>
+            </a:extLst>
+          </p:cNvPr>
+          <p:cNvSpPr/>
+          <p:nvPr/>
+        </p:nvSpPr>
+        <p:spPr>
+          <a:xfrm>
+            <a:off x="10718114" y="5036969"/>
+            <a:ext cx="1259305" cy="537410"/>
+          </a:xfrm>
+          <a:prstGeom prst="ellipse">
+            <a:avLst/>
+          </a:prstGeom>
+          <a:noFill/>
+          <a:ln w="9525" cap="flat" cmpd="sng" algn="ctr">
+            <a:solidFill>
+              <a:schemeClr val="dk1"/>
+            </a:solidFill>
+            <a:prstDash val="solid"/>
+            <a:round/>
+            <a:headEnd type="none" w="med" len="med"/>
+            <a:tailEnd type="none" w="med" len="med"/>
+          </a:ln>
+        </p:spPr>
+        <p:style>
+          <a:lnRef idx="0">
+            <a:scrgbClr r="0" g="0" b="0"/>
+          </a:lnRef>
+          <a:fillRef idx="0">
+            <a:scrgbClr r="0" g="0" b="0"/>
+          </a:fillRef>
+          <a:effectRef idx="0">
+            <a:scrgbClr r="0" g="0" b="0"/>
+          </a:effectRef>
+          <a:fontRef idx="minor">
+            <a:schemeClr val="dk1"/>
+          </a:fontRef>
+        </p:style>
+        <p:txBody>
+          <a:bodyPr rtlCol="0" anchor="ctr"/>
+          <a:lstStyle/>
+          <a:p>
+            <a:pPr algn="ctr"/>
+            <a:r>
+              <a:rPr lang="hu-HU" sz="1200" dirty="0">
+                <a:latin typeface="Times New Roman" panose="02020603050405020304" pitchFamily="18" charset="0"/>
+                <a:cs typeface="Times New Roman" panose="02020603050405020304" pitchFamily="18" charset="0"/>
+              </a:rPr>
+              <a:t>mOS</a:t>
+            </a:r>
+          </a:p>
+        </p:txBody>
+      </p:sp>
+      <p:sp>
+        <p:nvSpPr>
+          <p:cNvPr id="92" name="Ellipszis 91">
+            <a:extLst>
+              <a:ext uri="{FF2B5EF4-FFF2-40B4-BE49-F238E27FC236}">
+                <a16:creationId xmlns:a16="http://schemas.microsoft.com/office/drawing/2014/main" id="{7F895626-8D4D-4F7E-9A00-B172524D692E}"/>
+              </a:ext>
+            </a:extLst>
+          </p:cNvPr>
+          <p:cNvSpPr/>
+          <p:nvPr/>
+        </p:nvSpPr>
+        <p:spPr>
+          <a:xfrm>
+            <a:off x="10547174" y="4407065"/>
+            <a:ext cx="1335002" cy="537410"/>
+          </a:xfrm>
+          <a:prstGeom prst="ellipse">
+            <a:avLst/>
+          </a:prstGeom>
+          <a:noFill/>
+          <a:ln w="9525" cap="flat" cmpd="sng" algn="ctr">
+            <a:solidFill>
+              <a:schemeClr val="dk1"/>
+            </a:solidFill>
+            <a:prstDash val="solid"/>
+            <a:round/>
+            <a:headEnd type="none" w="med" len="med"/>
+            <a:tailEnd type="none" w="med" len="med"/>
+          </a:ln>
+        </p:spPr>
+        <p:style>
+          <a:lnRef idx="0">
+            <a:scrgbClr r="0" g="0" b="0"/>
+          </a:lnRef>
+          <a:fillRef idx="0">
+            <a:scrgbClr r="0" g="0" b="0"/>
+          </a:fillRef>
+          <a:effectRef idx="0">
+            <a:scrgbClr r="0" g="0" b="0"/>
+          </a:effectRef>
+          <a:fontRef idx="minor">
+            <a:schemeClr val="dk1"/>
+          </a:fontRef>
+        </p:style>
+        <p:txBody>
+          <a:bodyPr rtlCol="0" anchor="ctr"/>
+          <a:lstStyle/>
+          <a:p>
+            <a:pPr algn="ctr"/>
+            <a:r>
+              <a:rPr lang="hu-HU" sz="1200" dirty="0">
+                <a:latin typeface="Times New Roman" panose="02020603050405020304" pitchFamily="18" charset="0"/>
+                <a:cs typeface="Times New Roman" panose="02020603050405020304" pitchFamily="18" charset="0"/>
+              </a:rPr>
+              <a:t>mProcessor</a:t>
+            </a:r>
+          </a:p>
+        </p:txBody>
+      </p:sp>
+      <p:sp>
+        <p:nvSpPr>
+          <p:cNvPr id="103" name="Ellipszis 102">
+            <a:extLst>
+              <a:ext uri="{FF2B5EF4-FFF2-40B4-BE49-F238E27FC236}">
+                <a16:creationId xmlns:a16="http://schemas.microsoft.com/office/drawing/2014/main" id="{C527D1E2-08A0-4FC1-960F-B4E3744E8F9A}"/>
+              </a:ext>
+            </a:extLst>
+          </p:cNvPr>
+          <p:cNvSpPr/>
+          <p:nvPr/>
+        </p:nvSpPr>
+        <p:spPr>
+          <a:xfrm>
+            <a:off x="9458809" y="4041607"/>
+            <a:ext cx="1259305" cy="537410"/>
+          </a:xfrm>
+          <a:prstGeom prst="ellipse">
+            <a:avLst/>
+          </a:prstGeom>
+          <a:noFill/>
+          <a:ln w="9525" cap="flat" cmpd="sng" algn="ctr">
+            <a:solidFill>
+              <a:schemeClr val="dk1"/>
+            </a:solidFill>
+            <a:prstDash val="solid"/>
+            <a:round/>
+            <a:headEnd type="none" w="med" len="med"/>
+            <a:tailEnd type="none" w="med" len="med"/>
+          </a:ln>
+        </p:spPr>
+        <p:style>
+          <a:lnRef idx="0">
+            <a:scrgbClr r="0" g="0" b="0"/>
+          </a:lnRef>
+          <a:fillRef idx="0">
+            <a:scrgbClr r="0" g="0" b="0"/>
+          </a:fillRef>
+          <a:effectRef idx="0">
+            <a:scrgbClr r="0" g="0" b="0"/>
+          </a:effectRef>
+          <a:fontRef idx="minor">
+            <a:schemeClr val="dk1"/>
+          </a:fontRef>
+        </p:style>
+        <p:txBody>
+          <a:bodyPr rtlCol="0" anchor="ctr"/>
+          <a:lstStyle/>
+          <a:p>
+            <a:pPr algn="ctr"/>
+            <a:r>
+              <a:rPr lang="hu-HU" sz="1200" dirty="0">
+                <a:latin typeface="Times New Roman" panose="02020603050405020304" pitchFamily="18" charset="0"/>
+                <a:cs typeface="Times New Roman" panose="02020603050405020304" pitchFamily="18" charset="0"/>
+              </a:rPr>
+              <a:t>mMemory</a:t>
+            </a:r>
+          </a:p>
+        </p:txBody>
+      </p:sp>
+      <p:sp>
+        <p:nvSpPr>
+          <p:cNvPr id="104" name="Ellipszis 103">
+            <a:extLst>
+              <a:ext uri="{FF2B5EF4-FFF2-40B4-BE49-F238E27FC236}">
+                <a16:creationId xmlns:a16="http://schemas.microsoft.com/office/drawing/2014/main" id="{49148AB6-D599-40E5-979F-3326DB894228}"/>
+              </a:ext>
+            </a:extLst>
+          </p:cNvPr>
+          <p:cNvSpPr/>
+          <p:nvPr/>
+        </p:nvSpPr>
+        <p:spPr>
+          <a:xfrm>
+            <a:off x="8144368" y="4041607"/>
+            <a:ext cx="1259305" cy="537410"/>
+          </a:xfrm>
+          <a:prstGeom prst="ellipse">
+            <a:avLst/>
+          </a:prstGeom>
+          <a:noFill/>
+          <a:ln w="9525" cap="flat" cmpd="sng" algn="ctr">
+            <a:solidFill>
+              <a:schemeClr val="dk1"/>
+            </a:solidFill>
+            <a:prstDash val="solid"/>
+            <a:round/>
+            <a:headEnd type="none" w="med" len="med"/>
+            <a:tailEnd type="none" w="med" len="med"/>
+          </a:ln>
+        </p:spPr>
+        <p:style>
+          <a:lnRef idx="0">
+            <a:scrgbClr r="0" g="0" b="0"/>
+          </a:lnRef>
+          <a:fillRef idx="0">
+            <a:scrgbClr r="0" g="0" b="0"/>
+          </a:fillRef>
+          <a:effectRef idx="0">
+            <a:scrgbClr r="0" g="0" b="0"/>
+          </a:effectRef>
+          <a:fontRef idx="minor">
+            <a:schemeClr val="dk1"/>
+          </a:fontRef>
+        </p:style>
+        <p:txBody>
+          <a:bodyPr rtlCol="0" anchor="ctr"/>
+          <a:lstStyle/>
+          <a:p>
+            <a:pPr algn="ctr"/>
+            <a:r>
+              <a:rPr lang="hu-HU" sz="1200" dirty="0">
+                <a:latin typeface="Times New Roman" panose="02020603050405020304" pitchFamily="18" charset="0"/>
+                <a:cs typeface="Times New Roman" panose="02020603050405020304" pitchFamily="18" charset="0"/>
+              </a:rPr>
+              <a:t>mGPU</a:t>
+            </a:r>
+          </a:p>
+        </p:txBody>
+      </p:sp>
+      <p:sp>
+        <p:nvSpPr>
+          <p:cNvPr id="105" name="Ellipszis 104">
+            <a:extLst>
+              <a:ext uri="{FF2B5EF4-FFF2-40B4-BE49-F238E27FC236}">
+                <a16:creationId xmlns:a16="http://schemas.microsoft.com/office/drawing/2014/main" id="{1394C9B6-7ECC-4B49-9360-A3A9A32D4896}"/>
+              </a:ext>
+            </a:extLst>
+          </p:cNvPr>
+          <p:cNvSpPr/>
+          <p:nvPr/>
+        </p:nvSpPr>
+        <p:spPr>
+          <a:xfrm>
+            <a:off x="8774020" y="5979197"/>
+            <a:ext cx="1259305" cy="537410"/>
+          </a:xfrm>
+          <a:prstGeom prst="ellipse">
+            <a:avLst/>
+          </a:prstGeom>
+          <a:noFill/>
+          <a:ln w="9525" cap="flat" cmpd="sng" algn="ctr">
+            <a:solidFill>
+              <a:schemeClr val="dk1"/>
+            </a:solidFill>
+            <a:prstDash val="solid"/>
+            <a:round/>
+            <a:headEnd type="none" w="med" len="med"/>
+            <a:tailEnd type="none" w="med" len="med"/>
+          </a:ln>
+        </p:spPr>
+        <p:style>
+          <a:lnRef idx="0">
+            <a:scrgbClr r="0" g="0" b="0"/>
+          </a:lnRef>
+          <a:fillRef idx="0">
+            <a:scrgbClr r="0" g="0" b="0"/>
+          </a:fillRef>
+          <a:effectRef idx="0">
+            <a:scrgbClr r="0" g="0" b="0"/>
+          </a:effectRef>
+          <a:fontRef idx="minor">
+            <a:schemeClr val="dk1"/>
+          </a:fontRef>
+        </p:style>
+        <p:txBody>
+          <a:bodyPr rtlCol="0" anchor="ctr"/>
+          <a:lstStyle/>
+          <a:p>
+            <a:pPr algn="ctr"/>
+            <a:r>
+              <a:rPr lang="hu-HU" sz="1200" dirty="0">
+                <a:latin typeface="Times New Roman" panose="02020603050405020304" pitchFamily="18" charset="0"/>
+                <a:cs typeface="Times New Roman" panose="02020603050405020304" pitchFamily="18" charset="0"/>
+              </a:rPr>
+              <a:t>mStorage</a:t>
+            </a:r>
+          </a:p>
+        </p:txBody>
+      </p:sp>
+      <p:cxnSp>
+        <p:nvCxnSpPr>
+          <p:cNvPr id="106" name="Egyenes összekötő nyíllal 105">
+            <a:extLst>
+              <a:ext uri="{FF2B5EF4-FFF2-40B4-BE49-F238E27FC236}">
+                <a16:creationId xmlns:a16="http://schemas.microsoft.com/office/drawing/2014/main" id="{8478377E-FD95-4DC0-BE16-1FA863FB3F33}"/>
+              </a:ext>
+            </a:extLst>
+          </p:cNvPr>
+          <p:cNvCxnSpPr>
+            <a:cxnSpLocks/>
+            <a:stCxn id="82" idx="3"/>
+            <a:endCxn id="104" idx="4"/>
+          </p:cNvCxnSpPr>
+          <p:nvPr/>
+        </p:nvCxnSpPr>
+        <p:spPr>
+          <a:xfrm flipV="1">
+            <a:off x="8496300" y="4579017"/>
+            <a:ext cx="277721" cy="799100"/>
+          </a:xfrm>
+          <a:prstGeom prst="straightConnector1">
+            <a:avLst/>
+          </a:prstGeom>
+          <a:ln>
+            <a:tailEnd type="triangle"/>
+          </a:ln>
+        </p:spPr>
+        <p:style>
+          <a:lnRef idx="3">
+            <a:schemeClr val="dk1"/>
+          </a:lnRef>
+          <a:fillRef idx="0">
+            <a:schemeClr val="dk1"/>
+          </a:fillRef>
+          <a:effectRef idx="2">
+            <a:schemeClr val="dk1"/>
+          </a:effectRef>
+          <a:fontRef idx="minor">
+            <a:schemeClr val="tx1"/>
+          </a:fontRef>
+        </p:style>
+      </p:cxnSp>
+      <p:cxnSp>
+        <p:nvCxnSpPr>
+          <p:cNvPr id="107" name="Egyenes összekötő nyíllal 106">
+            <a:extLst>
+              <a:ext uri="{FF2B5EF4-FFF2-40B4-BE49-F238E27FC236}">
+                <a16:creationId xmlns:a16="http://schemas.microsoft.com/office/drawing/2014/main" id="{74F0A782-4778-4CCD-B91A-206013FB7195}"/>
+              </a:ext>
+            </a:extLst>
+          </p:cNvPr>
+          <p:cNvCxnSpPr>
+            <a:cxnSpLocks/>
+            <a:stCxn id="82" idx="3"/>
+            <a:endCxn id="103" idx="4"/>
+          </p:cNvCxnSpPr>
+          <p:nvPr/>
+        </p:nvCxnSpPr>
+        <p:spPr>
+          <a:xfrm flipV="1">
+            <a:off x="8496300" y="4579017"/>
+            <a:ext cx="1592162" cy="799100"/>
+          </a:xfrm>
+          <a:prstGeom prst="straightConnector1">
+            <a:avLst/>
+          </a:prstGeom>
+          <a:ln>
+            <a:tailEnd type="triangle"/>
+          </a:ln>
+        </p:spPr>
+        <p:style>
+          <a:lnRef idx="3">
+            <a:schemeClr val="dk1"/>
+          </a:lnRef>
+          <a:fillRef idx="0">
+            <a:schemeClr val="dk1"/>
+          </a:fillRef>
+          <a:effectRef idx="2">
+            <a:schemeClr val="dk1"/>
+          </a:effectRef>
+          <a:fontRef idx="minor">
+            <a:schemeClr val="tx1"/>
+          </a:fontRef>
+        </p:style>
+      </p:cxnSp>
+      <p:cxnSp>
+        <p:nvCxnSpPr>
+          <p:cNvPr id="108" name="Egyenes összekötő nyíllal 107">
+            <a:extLst>
+              <a:ext uri="{FF2B5EF4-FFF2-40B4-BE49-F238E27FC236}">
+                <a16:creationId xmlns:a16="http://schemas.microsoft.com/office/drawing/2014/main" id="{E186847A-39F1-4D69-8034-23A0B4839F8F}"/>
+              </a:ext>
+            </a:extLst>
+          </p:cNvPr>
+          <p:cNvCxnSpPr>
+            <a:cxnSpLocks/>
+            <a:stCxn id="82" idx="3"/>
+            <a:endCxn id="92" idx="2"/>
+          </p:cNvCxnSpPr>
+          <p:nvPr/>
+        </p:nvCxnSpPr>
+        <p:spPr>
+          <a:xfrm flipV="1">
+            <a:off x="8496300" y="4675770"/>
+            <a:ext cx="2050874" cy="702347"/>
+          </a:xfrm>
+          <a:prstGeom prst="straightConnector1">
+            <a:avLst/>
+          </a:prstGeom>
+          <a:ln>
+            <a:tailEnd type="triangle"/>
+          </a:ln>
+        </p:spPr>
+        <p:style>
+          <a:lnRef idx="3">
+            <a:schemeClr val="dk1"/>
+          </a:lnRef>
+          <a:fillRef idx="0">
+            <a:schemeClr val="dk1"/>
+          </a:fillRef>
+          <a:effectRef idx="2">
+            <a:schemeClr val="dk1"/>
+          </a:effectRef>
+          <a:fontRef idx="minor">
+            <a:schemeClr val="tx1"/>
+          </a:fontRef>
+        </p:style>
+      </p:cxnSp>
+      <p:cxnSp>
+        <p:nvCxnSpPr>
+          <p:cNvPr id="109" name="Egyenes összekötő nyíllal 108">
+            <a:extLst>
+              <a:ext uri="{FF2B5EF4-FFF2-40B4-BE49-F238E27FC236}">
+                <a16:creationId xmlns:a16="http://schemas.microsoft.com/office/drawing/2014/main" id="{E3B7115B-5552-4AC3-A2BB-EC1C74D6BF64}"/>
+              </a:ext>
+            </a:extLst>
+          </p:cNvPr>
+          <p:cNvCxnSpPr>
+            <a:cxnSpLocks/>
+            <a:stCxn id="82" idx="3"/>
+            <a:endCxn id="91" idx="2"/>
+          </p:cNvCxnSpPr>
+          <p:nvPr/>
+        </p:nvCxnSpPr>
+        <p:spPr>
+          <a:xfrm flipV="1">
+            <a:off x="8496300" y="5305674"/>
+            <a:ext cx="2221814" cy="72443"/>
+          </a:xfrm>
+          <a:prstGeom prst="straightConnector1">
+            <a:avLst/>
+          </a:prstGeom>
+          <a:ln>
+            <a:tailEnd type="triangle"/>
+          </a:ln>
+        </p:spPr>
+        <p:style>
+          <a:lnRef idx="3">
+            <a:schemeClr val="dk1"/>
+          </a:lnRef>
+          <a:fillRef idx="0">
+            <a:schemeClr val="dk1"/>
+          </a:fillRef>
+          <a:effectRef idx="2">
+            <a:schemeClr val="dk1"/>
+          </a:effectRef>
+          <a:fontRef idx="minor">
+            <a:schemeClr val="tx1"/>
+          </a:fontRef>
+        </p:style>
+      </p:cxnSp>
+      <p:cxnSp>
+        <p:nvCxnSpPr>
+          <p:cNvPr id="110" name="Egyenes összekötő nyíllal 109">
+            <a:extLst>
+              <a:ext uri="{FF2B5EF4-FFF2-40B4-BE49-F238E27FC236}">
+                <a16:creationId xmlns:a16="http://schemas.microsoft.com/office/drawing/2014/main" id="{2A7DD158-D1C4-4EA8-B849-E40FB45A02A1}"/>
+              </a:ext>
+            </a:extLst>
+          </p:cNvPr>
+          <p:cNvCxnSpPr>
+            <a:cxnSpLocks/>
+            <a:stCxn id="82" idx="3"/>
+            <a:endCxn id="90" idx="2"/>
+          </p:cNvCxnSpPr>
+          <p:nvPr/>
+        </p:nvCxnSpPr>
+        <p:spPr>
+          <a:xfrm>
+            <a:off x="8496300" y="5378117"/>
+            <a:ext cx="2221814" cy="576260"/>
+          </a:xfrm>
+          <a:prstGeom prst="straightConnector1">
+            <a:avLst/>
+          </a:prstGeom>
+          <a:ln>
+            <a:tailEnd type="triangle"/>
+          </a:ln>
+        </p:spPr>
+        <p:style>
+          <a:lnRef idx="3">
+            <a:schemeClr val="dk1"/>
+          </a:lnRef>
+          <a:fillRef idx="0">
+            <a:schemeClr val="dk1"/>
+          </a:fillRef>
+          <a:effectRef idx="2">
+            <a:schemeClr val="dk1"/>
+          </a:effectRef>
+          <a:fontRef idx="minor">
+            <a:schemeClr val="tx1"/>
+          </a:fontRef>
+        </p:style>
+      </p:cxnSp>
+      <p:cxnSp>
+        <p:nvCxnSpPr>
+          <p:cNvPr id="111" name="Egyenes összekötő nyíllal 110">
+            <a:extLst>
+              <a:ext uri="{FF2B5EF4-FFF2-40B4-BE49-F238E27FC236}">
+                <a16:creationId xmlns:a16="http://schemas.microsoft.com/office/drawing/2014/main" id="{4E3C4674-0D55-4C58-AB2A-E368B9FA6633}"/>
+              </a:ext>
+            </a:extLst>
+          </p:cNvPr>
+          <p:cNvCxnSpPr>
+            <a:cxnSpLocks/>
+            <a:stCxn id="82" idx="3"/>
+            <a:endCxn id="89" idx="0"/>
+          </p:cNvCxnSpPr>
+          <p:nvPr/>
+        </p:nvCxnSpPr>
+        <p:spPr>
+          <a:xfrm>
+            <a:off x="8496300" y="5378117"/>
+            <a:ext cx="2165668" cy="797342"/>
+          </a:xfrm>
+          <a:prstGeom prst="straightConnector1">
+            <a:avLst/>
+          </a:prstGeom>
+          <a:ln>
+            <a:tailEnd type="triangle"/>
+          </a:ln>
+        </p:spPr>
+        <p:style>
+          <a:lnRef idx="3">
+            <a:schemeClr val="dk1"/>
+          </a:lnRef>
+          <a:fillRef idx="0">
+            <a:schemeClr val="dk1"/>
+          </a:fillRef>
+          <a:effectRef idx="2">
+            <a:schemeClr val="dk1"/>
+          </a:effectRef>
+          <a:fontRef idx="minor">
+            <a:schemeClr val="tx1"/>
+          </a:fontRef>
+        </p:style>
+      </p:cxnSp>
+      <p:cxnSp>
+        <p:nvCxnSpPr>
+          <p:cNvPr id="114" name="Egyenes összekötő nyíllal 113">
+            <a:extLst>
+              <a:ext uri="{FF2B5EF4-FFF2-40B4-BE49-F238E27FC236}">
+                <a16:creationId xmlns:a16="http://schemas.microsoft.com/office/drawing/2014/main" id="{AB727C36-D69E-4CA3-BC75-166BD276ED78}"/>
+              </a:ext>
+            </a:extLst>
+          </p:cNvPr>
+          <p:cNvCxnSpPr>
+            <a:cxnSpLocks/>
+            <a:stCxn id="82" idx="3"/>
+            <a:endCxn id="105" idx="0"/>
+          </p:cNvCxnSpPr>
+          <p:nvPr/>
+        </p:nvCxnSpPr>
+        <p:spPr>
+          <a:xfrm>
+            <a:off x="8496300" y="5378117"/>
+            <a:ext cx="907373" cy="601080"/>
+          </a:xfrm>
+          <a:prstGeom prst="straightConnector1">
+            <a:avLst/>
+          </a:prstGeom>
+          <a:ln>
+            <a:tailEnd type="triangle"/>
+          </a:ln>
+        </p:spPr>
+        <p:style>
+          <a:lnRef idx="3">
+            <a:schemeClr val="dk1"/>
+          </a:lnRef>
+          <a:fillRef idx="0">
+            <a:schemeClr val="dk1"/>
+          </a:fillRef>
+          <a:effectRef idx="2">
+            <a:schemeClr val="dk1"/>
+          </a:effectRef>
+          <a:fontRef idx="minor">
+            <a:schemeClr val="tx1"/>
+          </a:fontRef>
+        </p:style>
+      </p:cxnSp>
+      <p:sp>
+        <p:nvSpPr>
+          <p:cNvPr id="146" name="Téglalap 145">
+            <a:extLst>
+              <a:ext uri="{FF2B5EF4-FFF2-40B4-BE49-F238E27FC236}">
+                <a16:creationId xmlns:a16="http://schemas.microsoft.com/office/drawing/2014/main" id="{D7E2369F-A732-4BD7-904E-FDBB55E2B986}"/>
+              </a:ext>
+            </a:extLst>
+          </p:cNvPr>
+          <p:cNvSpPr/>
+          <p:nvPr/>
+        </p:nvSpPr>
+        <p:spPr>
+          <a:xfrm>
+            <a:off x="7004384" y="2474745"/>
+            <a:ext cx="1321469" cy="537410"/>
+          </a:xfrm>
+          <a:prstGeom prst="rect">
+            <a:avLst/>
+          </a:prstGeom>
+          <a:noFill/>
+          <a:ln w="9525" cap="flat" cmpd="sng" algn="ctr">
+            <a:solidFill>
+              <a:schemeClr val="dk1"/>
+            </a:solidFill>
+            <a:prstDash val="solid"/>
+            <a:round/>
+            <a:headEnd type="none" w="med" len="med"/>
+            <a:tailEnd type="none" w="med" len="med"/>
+          </a:ln>
+        </p:spPr>
+        <p:style>
+          <a:lnRef idx="0">
+            <a:scrgbClr r="0" g="0" b="0"/>
+          </a:lnRef>
+          <a:fillRef idx="0">
+            <a:scrgbClr r="0" g="0" b="0"/>
+          </a:fillRef>
+          <a:effectRef idx="0">
+            <a:scrgbClr r="0" g="0" b="0"/>
+          </a:effectRef>
+          <a:fontRef idx="minor">
+            <a:schemeClr val="dk1"/>
+          </a:fontRef>
+        </p:style>
+        <p:txBody>
+          <a:bodyPr rtlCol="0" anchor="ctr"/>
+          <a:lstStyle/>
+          <a:p>
+            <a:pPr algn="ctr"/>
+            <a:r>
+              <a:rPr lang="hu-HU" sz="1400" dirty="0">
+                <a:latin typeface="Times New Roman" panose="02020603050405020304" pitchFamily="18" charset="0"/>
+                <a:ea typeface="Tahoma" panose="020B0604030504040204" pitchFamily="34" charset="0"/>
+                <a:cs typeface="Times New Roman" panose="02020603050405020304" pitchFamily="18" charset="0"/>
+              </a:rPr>
+              <a:t>recRequirement</a:t>
+            </a:r>
+          </a:p>
+        </p:txBody>
+      </p:sp>
+      <p:sp>
+        <p:nvSpPr>
+          <p:cNvPr id="162" name="Ellipszis 161">
+            <a:extLst>
+              <a:ext uri="{FF2B5EF4-FFF2-40B4-BE49-F238E27FC236}">
+                <a16:creationId xmlns:a16="http://schemas.microsoft.com/office/drawing/2014/main" id="{0EFEA61F-162F-4E13-9C67-969D669144FD}"/>
+              </a:ext>
+            </a:extLst>
+          </p:cNvPr>
+          <p:cNvSpPr/>
+          <p:nvPr/>
+        </p:nvSpPr>
+        <p:spPr>
+          <a:xfrm>
+            <a:off x="9252508" y="3331492"/>
+            <a:ext cx="1259305" cy="537410"/>
+          </a:xfrm>
+          <a:prstGeom prst="ellipse">
+            <a:avLst/>
+          </a:prstGeom>
+          <a:noFill/>
+          <a:ln w="9525" cap="flat" cmpd="sng" algn="ctr">
+            <a:solidFill>
+              <a:schemeClr val="dk1"/>
+            </a:solidFill>
+            <a:prstDash val="solid"/>
+            <a:round/>
+            <a:headEnd type="none" w="med" len="med"/>
+            <a:tailEnd type="none" w="med" len="med"/>
+          </a:ln>
+        </p:spPr>
+        <p:style>
+          <a:lnRef idx="0">
+            <a:scrgbClr r="0" g="0" b="0"/>
+          </a:lnRef>
+          <a:fillRef idx="0">
+            <a:scrgbClr r="0" g="0" b="0"/>
+          </a:fillRef>
+          <a:effectRef idx="0">
+            <a:scrgbClr r="0" g="0" b="0"/>
+          </a:effectRef>
+          <a:fontRef idx="minor">
+            <a:schemeClr val="dk1"/>
+          </a:fontRef>
+        </p:style>
+        <p:txBody>
+          <a:bodyPr rtlCol="0" anchor="ctr"/>
+          <a:lstStyle/>
+          <a:p>
+            <a:pPr algn="ctr"/>
+            <a:r>
+              <a:rPr lang="hu-HU" sz="1200" dirty="0">
+                <a:latin typeface="Times New Roman" panose="02020603050405020304" pitchFamily="18" charset="0"/>
+                <a:cs typeface="Times New Roman" panose="02020603050405020304" pitchFamily="18" charset="0"/>
+              </a:rPr>
+              <a:t>recId</a:t>
+            </a:r>
+          </a:p>
+        </p:txBody>
+      </p:sp>
+      <p:sp>
+        <p:nvSpPr>
+          <p:cNvPr id="163" name="Ellipszis 162">
+            <a:extLst>
+              <a:ext uri="{FF2B5EF4-FFF2-40B4-BE49-F238E27FC236}">
+                <a16:creationId xmlns:a16="http://schemas.microsoft.com/office/drawing/2014/main" id="{2C2F2C4C-FDAD-4DD9-8FE0-3774747DC698}"/>
+              </a:ext>
+            </a:extLst>
+          </p:cNvPr>
+          <p:cNvSpPr/>
+          <p:nvPr/>
+        </p:nvSpPr>
+        <p:spPr>
+          <a:xfrm>
+            <a:off x="10478231" y="2951748"/>
+            <a:ext cx="1259305" cy="537410"/>
+          </a:xfrm>
+          <a:prstGeom prst="ellipse">
+            <a:avLst/>
+          </a:prstGeom>
+          <a:noFill/>
+          <a:ln w="9525" cap="flat" cmpd="sng" algn="ctr">
+            <a:solidFill>
+              <a:schemeClr val="dk1"/>
+            </a:solidFill>
+            <a:prstDash val="solid"/>
+            <a:round/>
+            <a:headEnd type="none" w="med" len="med"/>
+            <a:tailEnd type="none" w="med" len="med"/>
+          </a:ln>
+        </p:spPr>
+        <p:style>
+          <a:lnRef idx="0">
+            <a:scrgbClr r="0" g="0" b="0"/>
+          </a:lnRef>
+          <a:fillRef idx="0">
+            <a:scrgbClr r="0" g="0" b="0"/>
+          </a:fillRef>
+          <a:effectRef idx="0">
+            <a:scrgbClr r="0" g="0" b="0"/>
+          </a:effectRef>
+          <a:fontRef idx="minor">
+            <a:schemeClr val="dk1"/>
+          </a:fontRef>
+        </p:style>
+        <p:txBody>
+          <a:bodyPr rtlCol="0" anchor="ctr"/>
+          <a:lstStyle/>
+          <a:p>
+            <a:pPr algn="ctr"/>
+            <a:r>
+              <a:rPr lang="hu-HU" sz="1200" dirty="0">
+                <a:latin typeface="Times New Roman" panose="02020603050405020304" pitchFamily="18" charset="0"/>
+                <a:cs typeface="Times New Roman" panose="02020603050405020304" pitchFamily="18" charset="0"/>
+              </a:rPr>
+              <a:t>rGId</a:t>
+            </a:r>
+          </a:p>
+        </p:txBody>
+      </p:sp>
+      <p:sp>
+        <p:nvSpPr>
+          <p:cNvPr id="164" name="Ellipszis 163">
+            <a:extLst>
+              <a:ext uri="{FF2B5EF4-FFF2-40B4-BE49-F238E27FC236}">
+                <a16:creationId xmlns:a16="http://schemas.microsoft.com/office/drawing/2014/main" id="{4335F84B-B13D-47F2-8E4E-494AA9C9E5A1}"/>
+              </a:ext>
+            </a:extLst>
+          </p:cNvPr>
+          <p:cNvSpPr/>
+          <p:nvPr/>
+        </p:nvSpPr>
+        <p:spPr>
+          <a:xfrm>
+            <a:off x="10267180" y="2356431"/>
+            <a:ext cx="1259305" cy="537410"/>
+          </a:xfrm>
+          <a:prstGeom prst="ellipse">
+            <a:avLst/>
+          </a:prstGeom>
+          <a:noFill/>
+          <a:ln w="9525" cap="flat" cmpd="sng" algn="ctr">
+            <a:solidFill>
+              <a:schemeClr val="dk1"/>
+            </a:solidFill>
+            <a:prstDash val="solid"/>
+            <a:round/>
+            <a:headEnd type="none" w="med" len="med"/>
+            <a:tailEnd type="none" w="med" len="med"/>
+          </a:ln>
+        </p:spPr>
+        <p:style>
+          <a:lnRef idx="0">
+            <a:scrgbClr r="0" g="0" b="0"/>
+          </a:lnRef>
+          <a:fillRef idx="0">
+            <a:scrgbClr r="0" g="0" b="0"/>
+          </a:fillRef>
+          <a:effectRef idx="0">
+            <a:scrgbClr r="0" g="0" b="0"/>
+          </a:effectRef>
+          <a:fontRef idx="minor">
+            <a:schemeClr val="dk1"/>
+          </a:fontRef>
+        </p:style>
+        <p:txBody>
+          <a:bodyPr rtlCol="0" anchor="ctr"/>
+          <a:lstStyle/>
+          <a:p>
+            <a:pPr algn="ctr"/>
+            <a:r>
+              <a:rPr lang="hu-HU" sz="1200" dirty="0">
+                <a:latin typeface="Times New Roman" panose="02020603050405020304" pitchFamily="18" charset="0"/>
+                <a:cs typeface="Times New Roman" panose="02020603050405020304" pitchFamily="18" charset="0"/>
+              </a:rPr>
+              <a:t>rOS</a:t>
+            </a:r>
+          </a:p>
+        </p:txBody>
+      </p:sp>
+      <p:sp>
+        <p:nvSpPr>
+          <p:cNvPr id="165" name="Ellipszis 164">
+            <a:extLst>
+              <a:ext uri="{FF2B5EF4-FFF2-40B4-BE49-F238E27FC236}">
+                <a16:creationId xmlns:a16="http://schemas.microsoft.com/office/drawing/2014/main" id="{E9F6B88E-241E-44B6-B744-626509D77ED6}"/>
+              </a:ext>
+            </a:extLst>
+          </p:cNvPr>
+          <p:cNvSpPr/>
+          <p:nvPr/>
+        </p:nvSpPr>
+        <p:spPr>
+          <a:xfrm>
+            <a:off x="10136857" y="1703660"/>
+            <a:ext cx="1335002" cy="537410"/>
+          </a:xfrm>
+          <a:prstGeom prst="ellipse">
+            <a:avLst/>
+          </a:prstGeom>
+          <a:noFill/>
+          <a:ln w="9525" cap="flat" cmpd="sng" algn="ctr">
+            <a:solidFill>
+              <a:schemeClr val="dk1"/>
+            </a:solidFill>
+            <a:prstDash val="solid"/>
+            <a:round/>
+            <a:headEnd type="none" w="med" len="med"/>
+            <a:tailEnd type="none" w="med" len="med"/>
+          </a:ln>
+        </p:spPr>
+        <p:style>
+          <a:lnRef idx="0">
+            <a:scrgbClr r="0" g="0" b="0"/>
+          </a:lnRef>
+          <a:fillRef idx="0">
+            <a:scrgbClr r="0" g="0" b="0"/>
+          </a:fillRef>
+          <a:effectRef idx="0">
+            <a:scrgbClr r="0" g="0" b="0"/>
+          </a:effectRef>
+          <a:fontRef idx="minor">
+            <a:schemeClr val="dk1"/>
+          </a:fontRef>
+        </p:style>
+        <p:txBody>
+          <a:bodyPr rtlCol="0" anchor="ctr"/>
+          <a:lstStyle/>
+          <a:p>
+            <a:pPr algn="ctr"/>
+            <a:r>
+              <a:rPr lang="hu-HU" sz="1200" dirty="0">
+                <a:latin typeface="Times New Roman" panose="02020603050405020304" pitchFamily="18" charset="0"/>
+                <a:cs typeface="Times New Roman" panose="02020603050405020304" pitchFamily="18" charset="0"/>
+              </a:rPr>
+              <a:t>rProcessor</a:t>
+            </a:r>
+          </a:p>
+        </p:txBody>
+      </p:sp>
+      <p:sp>
+        <p:nvSpPr>
+          <p:cNvPr id="166" name="Ellipszis 165">
+            <a:extLst>
+              <a:ext uri="{FF2B5EF4-FFF2-40B4-BE49-F238E27FC236}">
+                <a16:creationId xmlns:a16="http://schemas.microsoft.com/office/drawing/2014/main" id="{5A330F32-A6FC-4C62-97AA-1B6D99A3BFF7}"/>
+              </a:ext>
+            </a:extLst>
+          </p:cNvPr>
+          <p:cNvSpPr/>
+          <p:nvPr/>
+        </p:nvSpPr>
+        <p:spPr>
+          <a:xfrm>
+            <a:off x="8950985" y="1449678"/>
+            <a:ext cx="1259305" cy="537410"/>
+          </a:xfrm>
+          <a:prstGeom prst="ellipse">
+            <a:avLst/>
+          </a:prstGeom>
+          <a:noFill/>
+          <a:ln w="9525" cap="flat" cmpd="sng" algn="ctr">
+            <a:solidFill>
+              <a:schemeClr val="dk1"/>
+            </a:solidFill>
+            <a:prstDash val="solid"/>
+            <a:round/>
+            <a:headEnd type="none" w="med" len="med"/>
+            <a:tailEnd type="none" w="med" len="med"/>
+          </a:ln>
+        </p:spPr>
+        <p:style>
+          <a:lnRef idx="0">
+            <a:scrgbClr r="0" g="0" b="0"/>
+          </a:lnRef>
+          <a:fillRef idx="0">
+            <a:scrgbClr r="0" g="0" b="0"/>
+          </a:fillRef>
+          <a:effectRef idx="0">
+            <a:scrgbClr r="0" g="0" b="0"/>
+          </a:effectRef>
+          <a:fontRef idx="minor">
+            <a:schemeClr val="dk1"/>
+          </a:fontRef>
+        </p:style>
+        <p:txBody>
+          <a:bodyPr rtlCol="0" anchor="ctr"/>
+          <a:lstStyle/>
+          <a:p>
+            <a:pPr algn="ctr"/>
+            <a:r>
+              <a:rPr lang="hu-HU" sz="1200" dirty="0">
+                <a:latin typeface="Times New Roman" panose="02020603050405020304" pitchFamily="18" charset="0"/>
+                <a:cs typeface="Times New Roman" panose="02020603050405020304" pitchFamily="18" charset="0"/>
+              </a:rPr>
+              <a:t>rMemory</a:t>
+            </a:r>
+          </a:p>
+        </p:txBody>
+      </p:sp>
+      <p:sp>
+        <p:nvSpPr>
+          <p:cNvPr id="167" name="Ellipszis 166">
+            <a:extLst>
+              <a:ext uri="{FF2B5EF4-FFF2-40B4-BE49-F238E27FC236}">
+                <a16:creationId xmlns:a16="http://schemas.microsoft.com/office/drawing/2014/main" id="{FB40F1F2-9C1D-498D-BBC6-067DE24B4A6C}"/>
+              </a:ext>
+            </a:extLst>
+          </p:cNvPr>
+          <p:cNvSpPr/>
+          <p:nvPr/>
+        </p:nvSpPr>
+        <p:spPr>
+          <a:xfrm>
+            <a:off x="7808495" y="1750721"/>
+            <a:ext cx="1259305" cy="537410"/>
+          </a:xfrm>
+          <a:prstGeom prst="ellipse">
+            <a:avLst/>
+          </a:prstGeom>
+          <a:noFill/>
+          <a:ln w="9525" cap="flat" cmpd="sng" algn="ctr">
+            <a:solidFill>
+              <a:schemeClr val="dk1"/>
+            </a:solidFill>
+            <a:prstDash val="solid"/>
+            <a:round/>
+            <a:headEnd type="none" w="med" len="med"/>
+            <a:tailEnd type="none" w="med" len="med"/>
+          </a:ln>
+        </p:spPr>
+        <p:style>
+          <a:lnRef idx="0">
+            <a:scrgbClr r="0" g="0" b="0"/>
+          </a:lnRef>
+          <a:fillRef idx="0">
+            <a:scrgbClr r="0" g="0" b="0"/>
+          </a:fillRef>
+          <a:effectRef idx="0">
+            <a:scrgbClr r="0" g="0" b="0"/>
+          </a:effectRef>
+          <a:fontRef idx="minor">
+            <a:schemeClr val="dk1"/>
+          </a:fontRef>
+        </p:style>
+        <p:txBody>
+          <a:bodyPr rtlCol="0" anchor="ctr"/>
+          <a:lstStyle/>
+          <a:p>
+            <a:pPr algn="ctr"/>
+            <a:r>
+              <a:rPr lang="hu-HU" sz="1200" dirty="0">
+                <a:latin typeface="Times New Roman" panose="02020603050405020304" pitchFamily="18" charset="0"/>
+                <a:cs typeface="Times New Roman" panose="02020603050405020304" pitchFamily="18" charset="0"/>
+              </a:rPr>
+              <a:t>rGPU</a:t>
+            </a:r>
+          </a:p>
+        </p:txBody>
+      </p:sp>
+      <p:sp>
+        <p:nvSpPr>
+          <p:cNvPr id="168" name="Ellipszis 167">
+            <a:extLst>
+              <a:ext uri="{FF2B5EF4-FFF2-40B4-BE49-F238E27FC236}">
+                <a16:creationId xmlns:a16="http://schemas.microsoft.com/office/drawing/2014/main" id="{F7657976-2DB7-4F0A-BF01-428B78E252E5}"/>
+              </a:ext>
+            </a:extLst>
+          </p:cNvPr>
+          <p:cNvSpPr/>
+          <p:nvPr/>
+        </p:nvSpPr>
+        <p:spPr>
+          <a:xfrm>
+            <a:off x="7931039" y="3385876"/>
+            <a:ext cx="1259305" cy="537410"/>
+          </a:xfrm>
+          <a:prstGeom prst="ellipse">
+            <a:avLst/>
+          </a:prstGeom>
+          <a:noFill/>
+          <a:ln w="9525" cap="flat" cmpd="sng" algn="ctr">
+            <a:solidFill>
+              <a:schemeClr val="dk1"/>
+            </a:solidFill>
+            <a:prstDash val="solid"/>
+            <a:round/>
+            <a:headEnd type="none" w="med" len="med"/>
+            <a:tailEnd type="none" w="med" len="med"/>
+          </a:ln>
+        </p:spPr>
+        <p:style>
+          <a:lnRef idx="0">
+            <a:scrgbClr r="0" g="0" b="0"/>
+          </a:lnRef>
+          <a:fillRef idx="0">
+            <a:scrgbClr r="0" g="0" b="0"/>
+          </a:fillRef>
+          <a:effectRef idx="0">
+            <a:scrgbClr r="0" g="0" b="0"/>
+          </a:effectRef>
+          <a:fontRef idx="minor">
+            <a:schemeClr val="dk1"/>
+          </a:fontRef>
+        </p:style>
+        <p:txBody>
+          <a:bodyPr rtlCol="0" anchor="ctr"/>
+          <a:lstStyle/>
+          <a:p>
+            <a:pPr algn="ctr"/>
+            <a:r>
+              <a:rPr lang="hu-HU" sz="1200" dirty="0">
+                <a:latin typeface="Times New Roman" panose="02020603050405020304" pitchFamily="18" charset="0"/>
+                <a:cs typeface="Times New Roman" panose="02020603050405020304" pitchFamily="18" charset="0"/>
+              </a:rPr>
+              <a:t>rStorage</a:t>
+            </a:r>
+          </a:p>
+        </p:txBody>
+      </p:sp>
+      <p:cxnSp>
+        <p:nvCxnSpPr>
+          <p:cNvPr id="169" name="Egyenes összekötő nyíllal 168">
+            <a:extLst>
+              <a:ext uri="{FF2B5EF4-FFF2-40B4-BE49-F238E27FC236}">
+                <a16:creationId xmlns:a16="http://schemas.microsoft.com/office/drawing/2014/main" id="{E51A31E7-D3C6-4D83-A915-1B6F1DD5AF41}"/>
+              </a:ext>
+            </a:extLst>
+          </p:cNvPr>
+          <p:cNvCxnSpPr>
+            <a:cxnSpLocks/>
+            <a:stCxn id="146" idx="3"/>
+            <a:endCxn id="167" idx="4"/>
+          </p:cNvCxnSpPr>
+          <p:nvPr/>
+        </p:nvCxnSpPr>
+        <p:spPr>
+          <a:xfrm flipV="1">
+            <a:off x="8325853" y="2288131"/>
+            <a:ext cx="112295" cy="455319"/>
+          </a:xfrm>
+          <a:prstGeom prst="straightConnector1">
+            <a:avLst/>
+          </a:prstGeom>
+          <a:ln>
+            <a:tailEnd type="triangle"/>
+          </a:ln>
+        </p:spPr>
+        <p:style>
+          <a:lnRef idx="3">
+            <a:schemeClr val="dk1"/>
+          </a:lnRef>
+          <a:fillRef idx="0">
+            <a:schemeClr val="dk1"/>
+          </a:fillRef>
+          <a:effectRef idx="2">
+            <a:schemeClr val="dk1"/>
+          </a:effectRef>
+          <a:fontRef idx="minor">
+            <a:schemeClr val="tx1"/>
+          </a:fontRef>
+        </p:style>
+      </p:cxnSp>
+      <p:cxnSp>
+        <p:nvCxnSpPr>
+          <p:cNvPr id="172" name="Egyenes összekötő nyíllal 171">
+            <a:extLst>
+              <a:ext uri="{FF2B5EF4-FFF2-40B4-BE49-F238E27FC236}">
+                <a16:creationId xmlns:a16="http://schemas.microsoft.com/office/drawing/2014/main" id="{1B249627-FECE-489E-9B5D-3DE833D4065E}"/>
+              </a:ext>
+            </a:extLst>
+          </p:cNvPr>
+          <p:cNvCxnSpPr>
+            <a:cxnSpLocks/>
+            <a:stCxn id="146" idx="3"/>
+            <a:endCxn id="166" idx="4"/>
+          </p:cNvCxnSpPr>
+          <p:nvPr/>
+        </p:nvCxnSpPr>
+        <p:spPr>
+          <a:xfrm flipV="1">
+            <a:off x="8325853" y="1987088"/>
+            <a:ext cx="1254785" cy="756362"/>
+          </a:xfrm>
+          <a:prstGeom prst="straightConnector1">
+            <a:avLst/>
+          </a:prstGeom>
+          <a:ln>
+            <a:tailEnd type="triangle"/>
+          </a:ln>
+        </p:spPr>
+        <p:style>
+          <a:lnRef idx="3">
+            <a:schemeClr val="dk1"/>
+          </a:lnRef>
+          <a:fillRef idx="0">
+            <a:schemeClr val="dk1"/>
+          </a:fillRef>
+          <a:effectRef idx="2">
+            <a:schemeClr val="dk1"/>
+          </a:effectRef>
+          <a:fontRef idx="minor">
+            <a:schemeClr val="tx1"/>
+          </a:fontRef>
+        </p:style>
+      </p:cxnSp>
+      <p:cxnSp>
+        <p:nvCxnSpPr>
+          <p:cNvPr id="175" name="Egyenes összekötő nyíllal 174">
+            <a:extLst>
+              <a:ext uri="{FF2B5EF4-FFF2-40B4-BE49-F238E27FC236}">
+                <a16:creationId xmlns:a16="http://schemas.microsoft.com/office/drawing/2014/main" id="{0EE4D060-A770-417A-80F6-652207662FC1}"/>
+              </a:ext>
+            </a:extLst>
+          </p:cNvPr>
+          <p:cNvCxnSpPr>
+            <a:cxnSpLocks/>
+            <a:stCxn id="146" idx="3"/>
+            <a:endCxn id="165" idx="2"/>
+          </p:cNvCxnSpPr>
+          <p:nvPr/>
+        </p:nvCxnSpPr>
+        <p:spPr>
+          <a:xfrm flipV="1">
+            <a:off x="8325853" y="1972365"/>
+            <a:ext cx="1811004" cy="771085"/>
+          </a:xfrm>
+          <a:prstGeom prst="straightConnector1">
+            <a:avLst/>
+          </a:prstGeom>
+          <a:ln>
+            <a:tailEnd type="triangle"/>
+          </a:ln>
+        </p:spPr>
+        <p:style>
+          <a:lnRef idx="3">
+            <a:schemeClr val="dk1"/>
+          </a:lnRef>
+          <a:fillRef idx="0">
+            <a:schemeClr val="dk1"/>
+          </a:fillRef>
+          <a:effectRef idx="2">
+            <a:schemeClr val="dk1"/>
+          </a:effectRef>
+          <a:fontRef idx="minor">
+            <a:schemeClr val="tx1"/>
+          </a:fontRef>
+        </p:style>
+      </p:cxnSp>
+      <p:cxnSp>
+        <p:nvCxnSpPr>
+          <p:cNvPr id="178" name="Egyenes összekötő nyíllal 177">
+            <a:extLst>
+              <a:ext uri="{FF2B5EF4-FFF2-40B4-BE49-F238E27FC236}">
+                <a16:creationId xmlns:a16="http://schemas.microsoft.com/office/drawing/2014/main" id="{7E3B1BE0-AD4C-40E0-97C2-61CD262841E9}"/>
+              </a:ext>
+            </a:extLst>
+          </p:cNvPr>
+          <p:cNvCxnSpPr>
+            <a:cxnSpLocks/>
+            <a:stCxn id="146" idx="3"/>
+            <a:endCxn id="164" idx="2"/>
+          </p:cNvCxnSpPr>
+          <p:nvPr/>
+        </p:nvCxnSpPr>
+        <p:spPr>
+          <a:xfrm flipV="1">
+            <a:off x="8325853" y="2625136"/>
+            <a:ext cx="1941327" cy="118314"/>
+          </a:xfrm>
+          <a:prstGeom prst="straightConnector1">
+            <a:avLst/>
+          </a:prstGeom>
+          <a:ln>
+            <a:tailEnd type="triangle"/>
+          </a:ln>
+        </p:spPr>
+        <p:style>
+          <a:lnRef idx="3">
+            <a:schemeClr val="dk1"/>
+          </a:lnRef>
+          <a:fillRef idx="0">
+            <a:schemeClr val="dk1"/>
+          </a:fillRef>
+          <a:effectRef idx="2">
+            <a:schemeClr val="dk1"/>
+          </a:effectRef>
+          <a:fontRef idx="minor">
+            <a:schemeClr val="tx1"/>
+          </a:fontRef>
+        </p:style>
+      </p:cxnSp>
+      <p:cxnSp>
+        <p:nvCxnSpPr>
+          <p:cNvPr id="181" name="Egyenes összekötő nyíllal 180">
+            <a:extLst>
+              <a:ext uri="{FF2B5EF4-FFF2-40B4-BE49-F238E27FC236}">
+                <a16:creationId xmlns:a16="http://schemas.microsoft.com/office/drawing/2014/main" id="{4DBF8D1D-5BC7-4555-94CC-66DD472D4D10}"/>
+              </a:ext>
+            </a:extLst>
+          </p:cNvPr>
+          <p:cNvCxnSpPr>
+            <a:cxnSpLocks/>
+            <a:stCxn id="146" idx="3"/>
+            <a:endCxn id="163" idx="2"/>
+          </p:cNvCxnSpPr>
+          <p:nvPr/>
+        </p:nvCxnSpPr>
+        <p:spPr>
+          <a:xfrm>
+            <a:off x="8325853" y="2743450"/>
+            <a:ext cx="2152378" cy="477003"/>
+          </a:xfrm>
+          <a:prstGeom prst="straightConnector1">
+            <a:avLst/>
+          </a:prstGeom>
+          <a:ln>
+            <a:tailEnd type="triangle"/>
+          </a:ln>
+        </p:spPr>
+        <p:style>
+          <a:lnRef idx="3">
+            <a:schemeClr val="dk1"/>
+          </a:lnRef>
+          <a:fillRef idx="0">
+            <a:schemeClr val="dk1"/>
+          </a:fillRef>
+          <a:effectRef idx="2">
+            <a:schemeClr val="dk1"/>
+          </a:effectRef>
+          <a:fontRef idx="minor">
+            <a:schemeClr val="tx1"/>
+          </a:fontRef>
+        </p:style>
+      </p:cxnSp>
+      <p:cxnSp>
+        <p:nvCxnSpPr>
+          <p:cNvPr id="184" name="Egyenes összekötő nyíllal 183">
+            <a:extLst>
+              <a:ext uri="{FF2B5EF4-FFF2-40B4-BE49-F238E27FC236}">
+                <a16:creationId xmlns:a16="http://schemas.microsoft.com/office/drawing/2014/main" id="{5FEC7637-7C04-4CEE-96CE-36755F00D5CA}"/>
+              </a:ext>
+            </a:extLst>
+          </p:cNvPr>
+          <p:cNvCxnSpPr>
+            <a:cxnSpLocks/>
+            <a:stCxn id="146" idx="3"/>
+            <a:endCxn id="162" idx="0"/>
+          </p:cNvCxnSpPr>
+          <p:nvPr/>
+        </p:nvCxnSpPr>
+        <p:spPr>
+          <a:xfrm>
+            <a:off x="8325853" y="2743450"/>
+            <a:ext cx="1556308" cy="588042"/>
+          </a:xfrm>
+          <a:prstGeom prst="straightConnector1">
+            <a:avLst/>
+          </a:prstGeom>
+          <a:ln>
+            <a:tailEnd type="triangle"/>
+          </a:ln>
+        </p:spPr>
+        <p:style>
+          <a:lnRef idx="3">
+            <a:schemeClr val="dk1"/>
+          </a:lnRef>
+          <a:fillRef idx="0">
+            <a:schemeClr val="dk1"/>
+          </a:fillRef>
+          <a:effectRef idx="2">
+            <a:schemeClr val="dk1"/>
+          </a:effectRef>
+          <a:fontRef idx="minor">
+            <a:schemeClr val="tx1"/>
+          </a:fontRef>
+        </p:style>
+      </p:cxnSp>
+      <p:cxnSp>
+        <p:nvCxnSpPr>
+          <p:cNvPr id="187" name="Egyenes összekötő nyíllal 186">
+            <a:extLst>
+              <a:ext uri="{FF2B5EF4-FFF2-40B4-BE49-F238E27FC236}">
+                <a16:creationId xmlns:a16="http://schemas.microsoft.com/office/drawing/2014/main" id="{35107F6D-9AA9-4DC0-B281-7BE89816C213}"/>
+              </a:ext>
+            </a:extLst>
+          </p:cNvPr>
+          <p:cNvCxnSpPr>
+            <a:cxnSpLocks/>
+            <a:stCxn id="146" idx="3"/>
+            <a:endCxn id="168" idx="0"/>
+          </p:cNvCxnSpPr>
+          <p:nvPr/>
+        </p:nvCxnSpPr>
+        <p:spPr>
+          <a:xfrm>
+            <a:off x="8325853" y="2743450"/>
+            <a:ext cx="234839" cy="642426"/>
+          </a:xfrm>
+          <a:prstGeom prst="straightConnector1">
+            <a:avLst/>
+          </a:prstGeom>
+          <a:ln>
+            <a:tailEnd type="triangle"/>
+          </a:ln>
+        </p:spPr>
+        <p:style>
+          <a:lnRef idx="3">
+            <a:schemeClr val="dk1"/>
+          </a:lnRef>
+          <a:fillRef idx="0">
+            <a:schemeClr val="dk1"/>
+          </a:fillRef>
+          <a:effectRef idx="2">
+            <a:schemeClr val="dk1"/>
+          </a:effectRef>
+          <a:fontRef idx="minor">
+            <a:schemeClr val="tx1"/>
+          </a:fontRef>
+        </p:style>
+      </p:cxnSp>
+      <p:cxnSp>
+        <p:nvCxnSpPr>
+          <p:cNvPr id="198" name="Egyenes összekötő nyíllal 197">
+            <a:extLst>
+              <a:ext uri="{FF2B5EF4-FFF2-40B4-BE49-F238E27FC236}">
+                <a16:creationId xmlns:a16="http://schemas.microsoft.com/office/drawing/2014/main" id="{8F87C7BE-A728-479A-A678-4E30B70831F9}"/>
+              </a:ext>
+            </a:extLst>
+          </p:cNvPr>
+          <p:cNvCxnSpPr>
+            <a:cxnSpLocks/>
+            <a:stCxn id="31" idx="3"/>
+            <a:endCxn id="146" idx="2"/>
+          </p:cNvCxnSpPr>
+          <p:nvPr/>
+        </p:nvCxnSpPr>
+        <p:spPr>
+          <a:xfrm flipV="1">
+            <a:off x="6565230" y="3012155"/>
+            <a:ext cx="1099889" cy="2365962"/>
           </a:xfrm>
           <a:prstGeom prst="straightConnector1">
             <a:avLst/>

--- a/diagrams/adatbazis.pptx
+++ b/diagrams/adatbazis.pptx
@@ -259,7 +259,7 @@
           <a:p>
             <a:fld id="{0D165520-D099-4B55-9FA4-2C28BFF9116C}" type="datetimeFigureOut">
               <a:rPr lang="hu-HU" smtClean="0"/>
-              <a:t>2022. 01. 31.</a:t>
+              <a:t>2022. 03. 26.</a:t>
             </a:fld>
             <a:endParaRPr lang="hu-HU"/>
           </a:p>
@@ -457,7 +457,7 @@
           <a:p>
             <a:fld id="{0D165520-D099-4B55-9FA4-2C28BFF9116C}" type="datetimeFigureOut">
               <a:rPr lang="hu-HU" smtClean="0"/>
-              <a:t>2022. 01. 31.</a:t>
+              <a:t>2022. 03. 26.</a:t>
             </a:fld>
             <a:endParaRPr lang="hu-HU"/>
           </a:p>
@@ -665,7 +665,7 @@
           <a:p>
             <a:fld id="{0D165520-D099-4B55-9FA4-2C28BFF9116C}" type="datetimeFigureOut">
               <a:rPr lang="hu-HU" smtClean="0"/>
-              <a:t>2022. 01. 31.</a:t>
+              <a:t>2022. 03. 26.</a:t>
             </a:fld>
             <a:endParaRPr lang="hu-HU"/>
           </a:p>
@@ -863,7 +863,7 @@
           <a:p>
             <a:fld id="{0D165520-D099-4B55-9FA4-2C28BFF9116C}" type="datetimeFigureOut">
               <a:rPr lang="hu-HU" smtClean="0"/>
-              <a:t>2022. 01. 31.</a:t>
+              <a:t>2022. 03. 26.</a:t>
             </a:fld>
             <a:endParaRPr lang="hu-HU"/>
           </a:p>
@@ -1138,7 +1138,7 @@
           <a:p>
             <a:fld id="{0D165520-D099-4B55-9FA4-2C28BFF9116C}" type="datetimeFigureOut">
               <a:rPr lang="hu-HU" smtClean="0"/>
-              <a:t>2022. 01. 31.</a:t>
+              <a:t>2022. 03. 26.</a:t>
             </a:fld>
             <a:endParaRPr lang="hu-HU"/>
           </a:p>
@@ -1403,7 +1403,7 @@
           <a:p>
             <a:fld id="{0D165520-D099-4B55-9FA4-2C28BFF9116C}" type="datetimeFigureOut">
               <a:rPr lang="hu-HU" smtClean="0"/>
-              <a:t>2022. 01. 31.</a:t>
+              <a:t>2022. 03. 26.</a:t>
             </a:fld>
             <a:endParaRPr lang="hu-HU"/>
           </a:p>
@@ -1815,7 +1815,7 @@
           <a:p>
             <a:fld id="{0D165520-D099-4B55-9FA4-2C28BFF9116C}" type="datetimeFigureOut">
               <a:rPr lang="hu-HU" smtClean="0"/>
-              <a:t>2022. 01. 31.</a:t>
+              <a:t>2022. 03. 26.</a:t>
             </a:fld>
             <a:endParaRPr lang="hu-HU"/>
           </a:p>
@@ -1956,7 +1956,7 @@
           <a:p>
             <a:fld id="{0D165520-D099-4B55-9FA4-2C28BFF9116C}" type="datetimeFigureOut">
               <a:rPr lang="hu-HU" smtClean="0"/>
-              <a:t>2022. 01. 31.</a:t>
+              <a:t>2022. 03. 26.</a:t>
             </a:fld>
             <a:endParaRPr lang="hu-HU"/>
           </a:p>
@@ -2069,7 +2069,7 @@
           <a:p>
             <a:fld id="{0D165520-D099-4B55-9FA4-2C28BFF9116C}" type="datetimeFigureOut">
               <a:rPr lang="hu-HU" smtClean="0"/>
-              <a:t>2022. 01. 31.</a:t>
+              <a:t>2022. 03. 26.</a:t>
             </a:fld>
             <a:endParaRPr lang="hu-HU"/>
           </a:p>
@@ -2380,7 +2380,7 @@
           <a:p>
             <a:fld id="{0D165520-D099-4B55-9FA4-2C28BFF9116C}" type="datetimeFigureOut">
               <a:rPr lang="hu-HU" smtClean="0"/>
-              <a:t>2022. 01. 31.</a:t>
+              <a:t>2022. 03. 26.</a:t>
             </a:fld>
             <a:endParaRPr lang="hu-HU"/>
           </a:p>
@@ -2668,7 +2668,7 @@
           <a:p>
             <a:fld id="{0D165520-D099-4B55-9FA4-2C28BFF9116C}" type="datetimeFigureOut">
               <a:rPr lang="hu-HU" smtClean="0"/>
-              <a:t>2022. 01. 31.</a:t>
+              <a:t>2022. 03. 26.</a:t>
             </a:fld>
             <a:endParaRPr lang="hu-HU"/>
           </a:p>
@@ -2909,7 +2909,7 @@
           <a:p>
             <a:fld id="{0D165520-D099-4B55-9FA4-2C28BFF9116C}" type="datetimeFigureOut">
               <a:rPr lang="hu-HU" smtClean="0"/>
-              <a:t>2022. 01. 31.</a:t>
+              <a:t>2022. 03. 26.</a:t>
             </a:fld>
             <a:endParaRPr lang="hu-HU"/>
           </a:p>
@@ -4079,7 +4079,7 @@
         </p:nvSpPr>
         <p:spPr>
           <a:xfrm>
-            <a:off x="3121691" y="6091476"/>
+            <a:off x="2248122" y="6141595"/>
             <a:ext cx="1147010" cy="537410"/>
           </a:xfrm>
           <a:prstGeom prst="ellipse">
@@ -4139,7 +4139,7 @@
         </p:nvSpPr>
         <p:spPr>
           <a:xfrm>
-            <a:off x="4402068" y="6087469"/>
+            <a:off x="3453283" y="6136106"/>
             <a:ext cx="1251289" cy="537410"/>
           </a:xfrm>
           <a:prstGeom prst="ellipse">
@@ -4199,7 +4199,7 @@
         </p:nvSpPr>
         <p:spPr>
           <a:xfrm>
-            <a:off x="5803210" y="6091475"/>
+            <a:off x="4756211" y="6147552"/>
             <a:ext cx="1251289" cy="537410"/>
           </a:xfrm>
           <a:prstGeom prst="ellipse">
@@ -4263,8 +4263,8 @@
         </p:nvCxnSpPr>
         <p:spPr>
           <a:xfrm flipH="1">
-            <a:off x="3695196" y="5646822"/>
-            <a:ext cx="2400803" cy="444654"/>
+            <a:off x="2821627" y="5646822"/>
+            <a:ext cx="3274372" cy="494773"/>
           </a:xfrm>
           <a:prstGeom prst="straightConnector1">
             <a:avLst/>
@@ -4306,8 +4306,8 @@
         </p:nvCxnSpPr>
         <p:spPr>
           <a:xfrm flipH="1">
-            <a:off x="5027713" y="5646822"/>
-            <a:ext cx="1068286" cy="440647"/>
+            <a:off x="4078928" y="5646822"/>
+            <a:ext cx="2017071" cy="489284"/>
           </a:xfrm>
           <a:prstGeom prst="straightConnector1">
             <a:avLst/>
@@ -4348,9 +4348,9 @@
           <p:nvPr/>
         </p:nvCxnSpPr>
         <p:spPr>
-          <a:xfrm>
-            <a:off x="6095999" y="5646822"/>
-            <a:ext cx="332856" cy="444653"/>
+          <a:xfrm flipH="1">
+            <a:off x="5381856" y="5646822"/>
+            <a:ext cx="714143" cy="500730"/>
           </a:xfrm>
           <a:prstGeom prst="straightConnector1">
             <a:avLst/>
@@ -5876,7 +5876,7 @@
         </p:nvSpPr>
         <p:spPr>
           <a:xfrm>
-            <a:off x="7186859" y="6096507"/>
+            <a:off x="6065651" y="6136106"/>
             <a:ext cx="1251289" cy="537410"/>
           </a:xfrm>
           <a:prstGeom prst="ellipse">
@@ -5941,7 +5941,7 @@
         <p:spPr>
           <a:xfrm>
             <a:off x="6095999" y="5646822"/>
-            <a:ext cx="1716505" cy="449685"/>
+            <a:ext cx="595297" cy="489284"/>
           </a:xfrm>
           <a:prstGeom prst="straightConnector1">
             <a:avLst/>
@@ -7592,6 +7592,109 @@
           <a:xfrm flipV="1">
             <a:off x="6565230" y="3012155"/>
             <a:ext cx="1099889" cy="2365962"/>
+          </a:xfrm>
+          <a:prstGeom prst="straightConnector1">
+            <a:avLst/>
+          </a:prstGeom>
+          <a:ln>
+            <a:tailEnd type="triangle"/>
+          </a:ln>
+        </p:spPr>
+        <p:style>
+          <a:lnRef idx="3">
+            <a:schemeClr val="dk1"/>
+          </a:lnRef>
+          <a:fillRef idx="0">
+            <a:schemeClr val="dk1"/>
+          </a:fillRef>
+          <a:effectRef idx="2">
+            <a:schemeClr val="dk1"/>
+          </a:effectRef>
+          <a:fontRef idx="minor">
+            <a:schemeClr val="tx1"/>
+          </a:fontRef>
+        </p:style>
+      </p:cxnSp>
+      <p:sp>
+        <p:nvSpPr>
+          <p:cNvPr id="112" name="Ellipszis 111">
+            <a:extLst>
+              <a:ext uri="{FF2B5EF4-FFF2-40B4-BE49-F238E27FC236}">
+                <a16:creationId xmlns:a16="http://schemas.microsoft.com/office/drawing/2014/main" id="{315C64FA-03FD-449F-BC90-55D856FEB59E}"/>
+              </a:ext>
+            </a:extLst>
+          </p:cNvPr>
+          <p:cNvSpPr/>
+          <p:nvPr/>
+        </p:nvSpPr>
+        <p:spPr>
+          <a:xfrm>
+            <a:off x="7394263" y="6150141"/>
+            <a:ext cx="1251289" cy="537410"/>
+          </a:xfrm>
+          <a:prstGeom prst="ellipse">
+            <a:avLst/>
+          </a:prstGeom>
+          <a:noFill/>
+          <a:ln w="9525" cap="flat" cmpd="sng" algn="ctr">
+            <a:solidFill>
+              <a:schemeClr val="dk1"/>
+            </a:solidFill>
+            <a:prstDash val="solid"/>
+            <a:round/>
+            <a:headEnd type="none" w="med" len="med"/>
+            <a:tailEnd type="none" w="med" len="med"/>
+          </a:ln>
+        </p:spPr>
+        <p:style>
+          <a:lnRef idx="0">
+            <a:scrgbClr r="0" g="0" b="0"/>
+          </a:lnRef>
+          <a:fillRef idx="0">
+            <a:scrgbClr r="0" g="0" b="0"/>
+          </a:fillRef>
+          <a:effectRef idx="0">
+            <a:scrgbClr r="0" g="0" b="0"/>
+          </a:effectRef>
+          <a:fontRef idx="minor">
+            <a:schemeClr val="dk1"/>
+          </a:fontRef>
+        </p:style>
+        <p:txBody>
+          <a:bodyPr rtlCol="0" anchor="ctr"/>
+          <a:lstStyle/>
+          <a:p>
+            <a:pPr algn="ctr"/>
+            <a:r>
+              <a:rPr lang="hu-HU" sz="1200" dirty="0">
+                <a:latin typeface="Times New Roman" panose="02020603050405020304" pitchFamily="18" charset="0"/>
+                <a:cs typeface="Times New Roman" panose="02020603050405020304" pitchFamily="18" charset="0"/>
+              </a:rPr>
+              <a:t>gameDesc</a:t>
+            </a:r>
+          </a:p>
+        </p:txBody>
+      </p:sp>
+      <p:cxnSp>
+        <p:nvCxnSpPr>
+          <p:cNvPr id="113" name="Egyenes összekötő nyíllal 112">
+            <a:extLst>
+              <a:ext uri="{FF2B5EF4-FFF2-40B4-BE49-F238E27FC236}">
+                <a16:creationId xmlns:a16="http://schemas.microsoft.com/office/drawing/2014/main" id="{6368CDEA-A20D-4235-9456-BC37AACC3525}"/>
+              </a:ext>
+            </a:extLst>
+          </p:cNvPr>
+          <p:cNvCxnSpPr>
+            <a:cxnSpLocks/>
+            <a:stCxn id="31" idx="2"/>
+            <a:endCxn id="112" idx="0"/>
+          </p:cNvCxnSpPr>
+          <p:nvPr/>
+        </p:nvCxnSpPr>
+        <p:spPr>
+          <a:xfrm>
+            <a:off x="6095999" y="5646822"/>
+            <a:ext cx="1923909" cy="503319"/>
           </a:xfrm>
           <a:prstGeom prst="straightConnector1">
             <a:avLst/>
